--- a/오픈소스_5단계_발표자료(9조).pptx
+++ b/오픈소스_5단계_발표자료(9조).pptx
@@ -5,7 +5,7 @@
     <p:sldMasterId id="2147483648" r:id="rId1"/>
   </p:sldMasterIdLst>
   <p:notesMasterIdLst>
-    <p:notesMasterId r:id="rId25"/>
+    <p:notesMasterId r:id="rId26"/>
   </p:notesMasterIdLst>
   <p:sldIdLst>
     <p:sldId id="256" r:id="rId2"/>
@@ -23,14 +23,15 @@
     <p:sldId id="291" r:id="rId14"/>
     <p:sldId id="315" r:id="rId15"/>
     <p:sldId id="324" r:id="rId16"/>
-    <p:sldId id="317" r:id="rId17"/>
-    <p:sldId id="281" r:id="rId18"/>
-    <p:sldId id="325" r:id="rId19"/>
-    <p:sldId id="326" r:id="rId20"/>
-    <p:sldId id="327" r:id="rId21"/>
-    <p:sldId id="328" r:id="rId22"/>
-    <p:sldId id="284" r:id="rId23"/>
-    <p:sldId id="283" r:id="rId24"/>
+    <p:sldId id="329" r:id="rId17"/>
+    <p:sldId id="317" r:id="rId18"/>
+    <p:sldId id="281" r:id="rId19"/>
+    <p:sldId id="325" r:id="rId20"/>
+    <p:sldId id="326" r:id="rId21"/>
+    <p:sldId id="327" r:id="rId22"/>
+    <p:sldId id="328" r:id="rId23"/>
+    <p:sldId id="284" r:id="rId24"/>
+    <p:sldId id="283" r:id="rId25"/>
   </p:sldIdLst>
   <p:sldSz cx="12192000" cy="6858000"/>
   <p:notesSz cx="6858000" cy="9144000"/>
@@ -219,7 +220,7 @@
           <a:p>
             <a:fld id="{C4FFA62B-2C50-384F-B9CD-EF4963046E51}" type="datetimeFigureOut">
               <a:rPr kumimoji="1" lang="ko-Kore-KR" altLang="en-US" smtClean="0"/>
-              <a:t>2021. 10. 31.</a:t>
+              <a:t>2021. 11. 3.</a:t>
             </a:fld>
             <a:endParaRPr kumimoji="1" lang="ko-Kore-KR" altLang="en-US"/>
           </a:p>
@@ -636,7 +637,7 @@
           <a:p>
             <a:fld id="{52BA27B9-6789-C740-ADFB-27055A74F02A}" type="datetime1">
               <a:rPr kumimoji="1" lang="ko-KR" altLang="en-US" smtClean="0"/>
-              <a:t>2021. 10. 31.</a:t>
+              <a:t>2021. 11. 3.</a:t>
             </a:fld>
             <a:endParaRPr kumimoji="1" lang="ko-Kore-KR" altLang="en-US"/>
           </a:p>
@@ -836,7 +837,7 @@
           <a:p>
             <a:fld id="{ED31F8E3-D5C8-0248-AEFB-6DF12B95447F}" type="datetime1">
               <a:rPr kumimoji="1" lang="ko-KR" altLang="en-US" smtClean="0"/>
-              <a:t>2021. 10. 31.</a:t>
+              <a:t>2021. 11. 3.</a:t>
             </a:fld>
             <a:endParaRPr kumimoji="1" lang="ko-Kore-KR" altLang="en-US"/>
           </a:p>
@@ -1046,7 +1047,7 @@
           <a:p>
             <a:fld id="{6EDB32AC-E19A-304F-BF63-9A2E83B1B38C}" type="datetime1">
               <a:rPr kumimoji="1" lang="ko-KR" altLang="en-US" smtClean="0"/>
-              <a:t>2021. 10. 31.</a:t>
+              <a:t>2021. 11. 3.</a:t>
             </a:fld>
             <a:endParaRPr kumimoji="1" lang="ko-Kore-KR" altLang="en-US"/>
           </a:p>
@@ -1246,7 +1247,7 @@
           <a:p>
             <a:fld id="{DE8E0C60-00FA-9B46-85E7-AE9937704E42}" type="datetime1">
               <a:rPr kumimoji="1" lang="ko-KR" altLang="en-US" smtClean="0"/>
-              <a:t>2021. 10. 31.</a:t>
+              <a:t>2021. 11. 3.</a:t>
             </a:fld>
             <a:endParaRPr kumimoji="1" lang="ko-Kore-KR" altLang="en-US"/>
           </a:p>
@@ -1522,7 +1523,7 @@
           <a:p>
             <a:fld id="{A0666F9C-52DD-844E-BD67-7DBBE6D91D4D}" type="datetime1">
               <a:rPr kumimoji="1" lang="ko-KR" altLang="en-US" smtClean="0"/>
-              <a:t>2021. 10. 31.</a:t>
+              <a:t>2021. 11. 3.</a:t>
             </a:fld>
             <a:endParaRPr kumimoji="1" lang="ko-Kore-KR" altLang="en-US"/>
           </a:p>
@@ -1790,7 +1791,7 @@
           <a:p>
             <a:fld id="{E62CE144-4DFE-654D-B6D7-322EF5B00240}" type="datetime1">
               <a:rPr kumimoji="1" lang="ko-KR" altLang="en-US" smtClean="0"/>
-              <a:t>2021. 10. 31.</a:t>
+              <a:t>2021. 11. 3.</a:t>
             </a:fld>
             <a:endParaRPr kumimoji="1" lang="ko-Kore-KR" altLang="en-US"/>
           </a:p>
@@ -2205,7 +2206,7 @@
           <a:p>
             <a:fld id="{86A44EB2-D735-1B4F-982E-35456CA5947C}" type="datetime1">
               <a:rPr kumimoji="1" lang="ko-KR" altLang="en-US" smtClean="0"/>
-              <a:t>2021. 10. 31.</a:t>
+              <a:t>2021. 11. 3.</a:t>
             </a:fld>
             <a:endParaRPr kumimoji="1" lang="ko-Kore-KR" altLang="en-US"/>
           </a:p>
@@ -2347,7 +2348,7 @@
           <a:p>
             <a:fld id="{8CB1297B-2D75-F848-AEAE-AC153CEB9D42}" type="datetime1">
               <a:rPr kumimoji="1" lang="ko-KR" altLang="en-US" smtClean="0"/>
-              <a:t>2021. 10. 31.</a:t>
+              <a:t>2021. 11. 3.</a:t>
             </a:fld>
             <a:endParaRPr kumimoji="1" lang="ko-Kore-KR" altLang="en-US"/>
           </a:p>
@@ -2460,7 +2461,7 @@
           <a:p>
             <a:fld id="{4249F0A8-36AD-564C-8C0E-2469133452C4}" type="datetime1">
               <a:rPr kumimoji="1" lang="ko-KR" altLang="en-US" smtClean="0"/>
-              <a:t>2021. 10. 31.</a:t>
+              <a:t>2021. 11. 3.</a:t>
             </a:fld>
             <a:endParaRPr kumimoji="1" lang="ko-Kore-KR" altLang="en-US"/>
           </a:p>
@@ -2773,7 +2774,7 @@
           <a:p>
             <a:fld id="{F6015FC3-0002-8F45-9810-6642FA3C6D71}" type="datetime1">
               <a:rPr kumimoji="1" lang="ko-KR" altLang="en-US" smtClean="0"/>
-              <a:t>2021. 10. 31.</a:t>
+              <a:t>2021. 11. 3.</a:t>
             </a:fld>
             <a:endParaRPr kumimoji="1" lang="ko-Kore-KR" altLang="en-US"/>
           </a:p>
@@ -3062,7 +3063,7 @@
           <a:p>
             <a:fld id="{64672CEC-290E-2C40-9F2A-621385C0714A}" type="datetime1">
               <a:rPr kumimoji="1" lang="ko-KR" altLang="en-US" smtClean="0"/>
-              <a:t>2021. 10. 31.</a:t>
+              <a:t>2021. 11. 3.</a:t>
             </a:fld>
             <a:endParaRPr kumimoji="1" lang="ko-Kore-KR" altLang="en-US"/>
           </a:p>
@@ -3305,7 +3306,7 @@
           <a:p>
             <a:fld id="{3BFA7187-71AC-6B4C-8107-1E8D84053A45}" type="datetime1">
               <a:rPr kumimoji="1" lang="ko-KR" altLang="en-US" smtClean="0"/>
-              <a:t>2021. 10. 31.</a:t>
+              <a:t>2021. 11. 3.</a:t>
             </a:fld>
             <a:endParaRPr kumimoji="1" lang="ko-Kore-KR" altLang="en-US"/>
           </a:p>
@@ -5006,6 +5007,38 @@
             <a:pPr lvl="1"/>
             <a:r>
               <a:rPr kumimoji="1" lang="en-US" altLang="ko-KR" dirty="0" err="1"/>
+              <a:t>clientGet</a:t>
+            </a:r>
+            <a:r>
+              <a:rPr kumimoji="1" lang="en-US" altLang="ko-KR" dirty="0"/>
+              <a:t> Shell</a:t>
+            </a:r>
+            <a:r>
+              <a:rPr kumimoji="1" lang="ko-KR" altLang="en-US" dirty="0"/>
+              <a:t>을 종료했을 때</a:t>
+            </a:r>
+            <a:r>
+              <a:rPr kumimoji="1" lang="en-US" altLang="ko-KR" dirty="0"/>
+              <a:t>,</a:t>
+            </a:r>
+            <a:r>
+              <a:rPr kumimoji="1" lang="ko-KR" altLang="en-US" dirty="0"/>
+              <a:t> </a:t>
+            </a:r>
+            <a:r>
+              <a:rPr kumimoji="1" lang="en-US" altLang="ko-KR" dirty="0" err="1"/>
+              <a:t>alarmServer</a:t>
+            </a:r>
+            <a:r>
+              <a:rPr kumimoji="1" lang="ko-KR" altLang="en-US" dirty="0"/>
+              <a:t>가 종료되지 않는 문제점</a:t>
+            </a:r>
+            <a:endParaRPr kumimoji="1" lang="en-US" altLang="ko-KR" dirty="0"/>
+          </a:p>
+          <a:p>
+            <a:pPr lvl="1"/>
+            <a:r>
+              <a:rPr kumimoji="1" lang="en-US" altLang="ko-KR" dirty="0" err="1"/>
               <a:t>Makefile</a:t>
             </a:r>
             <a:r>
@@ -6103,6 +6136,455 @@
         </p:nvSpPr>
         <p:spPr>
           <a:xfrm>
+            <a:off x="838199" y="1825625"/>
+            <a:ext cx="5625029" cy="4351338"/>
+          </a:xfrm>
+        </p:spPr>
+        <p:txBody>
+          <a:bodyPr>
+            <a:normAutofit/>
+          </a:bodyPr>
+          <a:lstStyle/>
+          <a:p>
+            <a:r>
+              <a:rPr kumimoji="1" lang="en-US" altLang="ko-KR" sz="1800" dirty="0" err="1"/>
+              <a:t>clientGet</a:t>
+            </a:r>
+            <a:r>
+              <a:rPr kumimoji="1" lang="en-US" altLang="ko-KR" sz="1800" dirty="0"/>
+              <a:t> Shell</a:t>
+            </a:r>
+            <a:r>
+              <a:rPr kumimoji="1" lang="ko-KR" altLang="en-US" sz="1800" dirty="0"/>
+              <a:t>을 종료했을 때</a:t>
+            </a:r>
+            <a:r>
+              <a:rPr kumimoji="1" lang="en-US" altLang="ko-KR" sz="1800" dirty="0"/>
+              <a:t>,</a:t>
+            </a:r>
+            <a:r>
+              <a:rPr kumimoji="1" lang="ko-KR" altLang="en-US" sz="1800" dirty="0"/>
+              <a:t> </a:t>
+            </a:r>
+            <a:r>
+              <a:rPr kumimoji="1" lang="en-US" altLang="ko-KR" sz="1800" dirty="0" err="1"/>
+              <a:t>alarmServer</a:t>
+            </a:r>
+            <a:r>
+              <a:rPr kumimoji="1" lang="ko-KR" altLang="en-US" sz="1800" dirty="0"/>
+              <a:t>가 종료되지 않는 점</a:t>
+            </a:r>
+            <a:endParaRPr kumimoji="1" lang="en-US" altLang="ko-KR" sz="1800" dirty="0"/>
+          </a:p>
+          <a:p>
+            <a:endParaRPr kumimoji="1" lang="ko-KR" altLang="en-US" sz="1800" dirty="0"/>
+          </a:p>
+          <a:p>
+            <a:pPr lvl="1"/>
+            <a:r>
+              <a:rPr kumimoji="1" lang="ko-KR" altLang="en-US" sz="1600" dirty="0"/>
+              <a:t>수정 전에는</a:t>
+            </a:r>
+            <a:r>
+              <a:rPr kumimoji="1" lang="en-US" altLang="ko-KR" sz="1600" dirty="0"/>
+              <a:t>,</a:t>
+            </a:r>
+            <a:r>
+              <a:rPr kumimoji="1" lang="ko-KR" altLang="en-US" sz="1600" dirty="0"/>
+              <a:t> </a:t>
+            </a:r>
+            <a:r>
+              <a:rPr kumimoji="1" lang="en-US" altLang="ko-KR" sz="1600" dirty="0" err="1"/>
+              <a:t>clientGet</a:t>
+            </a:r>
+            <a:r>
+              <a:rPr kumimoji="1" lang="ko-KR" altLang="en-US" sz="1600" dirty="0"/>
+              <a:t>을 종료하고 다시 </a:t>
+            </a:r>
+            <a:r>
+              <a:rPr kumimoji="1" lang="en-US" altLang="ko-KR" sz="1600" dirty="0" err="1"/>
+              <a:t>clientGet</a:t>
+            </a:r>
+            <a:r>
+              <a:rPr kumimoji="1" lang="ko-KR" altLang="en-US" sz="1600" dirty="0"/>
+              <a:t>을 실행할 때</a:t>
+            </a:r>
+            <a:r>
+              <a:rPr kumimoji="1" lang="en-US" altLang="ko-KR" sz="1600" dirty="0"/>
+              <a:t>,</a:t>
+            </a:r>
+            <a:r>
+              <a:rPr kumimoji="1" lang="ko-KR" altLang="en-US" sz="1600" dirty="0"/>
+              <a:t> 다시 </a:t>
+            </a:r>
+            <a:r>
+              <a:rPr kumimoji="1" lang="en-US" altLang="ko-KR" sz="1600" dirty="0" err="1"/>
+              <a:t>alarmServer</a:t>
+            </a:r>
+            <a:r>
+              <a:rPr kumimoji="1" lang="ko-KR" altLang="en-US" sz="1600" dirty="0" err="1"/>
+              <a:t>를</a:t>
+            </a:r>
+            <a:r>
+              <a:rPr kumimoji="1" lang="ko-KR" altLang="en-US" sz="1600" dirty="0"/>
+              <a:t> </a:t>
+            </a:r>
+            <a:r>
+              <a:rPr kumimoji="1" lang="en-US" altLang="ko-KR" sz="1600" dirty="0" err="1"/>
+              <a:t>Execve</a:t>
+            </a:r>
+            <a:r>
+              <a:rPr kumimoji="1" lang="ko-KR" altLang="en-US" sz="1600" dirty="0"/>
+              <a:t>하게 되고</a:t>
+            </a:r>
+            <a:r>
+              <a:rPr kumimoji="1" lang="en-US" altLang="ko-KR" sz="1600" dirty="0"/>
+              <a:t>,</a:t>
+            </a:r>
+            <a:r>
+              <a:rPr kumimoji="1" lang="ko-KR" altLang="en-US" sz="1600" dirty="0"/>
+              <a:t> 그 부분에서 </a:t>
+            </a:r>
+            <a:r>
+              <a:rPr kumimoji="1" lang="ko-KR" altLang="en-US" sz="1600" dirty="0" err="1"/>
+              <a:t>포트번호가</a:t>
+            </a:r>
+            <a:r>
+              <a:rPr kumimoji="1" lang="ko-KR" altLang="en-US" sz="1600" dirty="0"/>
+              <a:t> 겹쳐버려서 </a:t>
+            </a:r>
+            <a:r>
+              <a:rPr kumimoji="1" lang="en-US" altLang="ko-KR" sz="1600" dirty="0"/>
+              <a:t>Bind Failed</a:t>
+            </a:r>
+          </a:p>
+          <a:p>
+            <a:pPr lvl="1"/>
+            <a:r>
+              <a:rPr kumimoji="1" lang="ko-KR" altLang="en-US" sz="1600" dirty="0"/>
+              <a:t>그러면 이 부분을 어떻게 해결해야 할까</a:t>
+            </a:r>
+            <a:r>
+              <a:rPr kumimoji="1" lang="en-US" altLang="ko-KR" sz="1600" dirty="0"/>
+              <a:t>?</a:t>
+            </a:r>
+            <a:endParaRPr kumimoji="1" lang="en-US" altLang="ko-KR" sz="1400" dirty="0"/>
+          </a:p>
+          <a:p>
+            <a:pPr lvl="1"/>
+            <a:r>
+              <a:rPr kumimoji="1" lang="en-US" altLang="ko-KR" sz="1600" dirty="0"/>
+              <a:t>QUIT, EXIT</a:t>
+            </a:r>
+            <a:r>
+              <a:rPr kumimoji="1" lang="ko-KR" altLang="en-US" sz="1600" dirty="0"/>
+              <a:t>을 할 때</a:t>
+            </a:r>
+            <a:r>
+              <a:rPr kumimoji="1" lang="en-US" altLang="ko-KR" sz="1600" dirty="0"/>
+              <a:t>,</a:t>
+            </a:r>
+            <a:r>
+              <a:rPr kumimoji="1" lang="ko-KR" altLang="en-US" sz="1600" dirty="0"/>
+              <a:t> 자식 프로세스인 </a:t>
+            </a:r>
+            <a:r>
+              <a:rPr kumimoji="1" lang="en-US" altLang="ko-KR" sz="1600" dirty="0" err="1"/>
+              <a:t>alarmServer</a:t>
+            </a:r>
+            <a:r>
+              <a:rPr kumimoji="1" lang="ko-KR" altLang="en-US" sz="1600" dirty="0" err="1"/>
+              <a:t>를</a:t>
+            </a:r>
+            <a:r>
+              <a:rPr kumimoji="1" lang="ko-KR" altLang="en-US" sz="1600" dirty="0"/>
+              <a:t> </a:t>
+            </a:r>
+            <a:r>
+              <a:rPr kumimoji="1" lang="en-US" altLang="ko-KR" sz="1600" dirty="0"/>
+              <a:t>kill</a:t>
+            </a:r>
+            <a:r>
+              <a:rPr kumimoji="1" lang="ko-KR" altLang="en-US" sz="1600" dirty="0"/>
+              <a:t>해주면 될 것이다</a:t>
+            </a:r>
+            <a:r>
+              <a:rPr kumimoji="1" lang="en-US" altLang="ko-KR" sz="1600" dirty="0"/>
+              <a:t>.</a:t>
+            </a:r>
+          </a:p>
+          <a:p>
+            <a:pPr lvl="1"/>
+            <a:endParaRPr kumimoji="1" lang="en-US" altLang="ko-KR" dirty="0"/>
+          </a:p>
+        </p:txBody>
+      </p:sp>
+      <p:sp>
+        <p:nvSpPr>
+          <p:cNvPr id="4" name="슬라이드 번호 개체 틀 3">
+            <a:extLst>
+              <a:ext uri="{FF2B5EF4-FFF2-40B4-BE49-F238E27FC236}">
+                <a16:creationId xmlns:a16="http://schemas.microsoft.com/office/drawing/2014/main" id="{891A5CEC-64D4-C040-AB6F-8365532C551C}"/>
+              </a:ext>
+            </a:extLst>
+          </p:cNvPr>
+          <p:cNvSpPr>
+            <a:spLocks noGrp="1"/>
+          </p:cNvSpPr>
+          <p:nvPr>
+            <p:ph type="sldNum" sz="quarter" idx="12"/>
+          </p:nvPr>
+        </p:nvSpPr>
+        <p:spPr/>
+        <p:txBody>
+          <a:bodyPr/>
+          <a:lstStyle/>
+          <a:p>
+            <a:fld id="{305FC841-63F1-7A4A-814A-731E62CE6D51}" type="slidenum">
+              <a:rPr kumimoji="1" lang="ko-Kore-KR" altLang="en-US" smtClean="0"/>
+              <a:t>16</a:t>
+            </a:fld>
+            <a:endParaRPr kumimoji="1" lang="ko-Kore-KR" altLang="en-US"/>
+          </a:p>
+        </p:txBody>
+      </p:sp>
+      <p:pic>
+        <p:nvPicPr>
+          <p:cNvPr id="6" name="그림 5" descr="텍스트이(가) 표시된 사진&#10;&#10;자동 생성된 설명">
+            <a:extLst>
+              <a:ext uri="{FF2B5EF4-FFF2-40B4-BE49-F238E27FC236}">
+                <a16:creationId xmlns:a16="http://schemas.microsoft.com/office/drawing/2014/main" id="{06B4257A-96FC-BF49-8A45-720288461EE8}"/>
+              </a:ext>
+            </a:extLst>
+          </p:cNvPr>
+          <p:cNvPicPr>
+            <a:picLocks noChangeAspect="1"/>
+          </p:cNvPicPr>
+          <p:nvPr/>
+        </p:nvPicPr>
+        <p:blipFill>
+          <a:blip r:embed="rId2"/>
+          <a:stretch>
+            <a:fillRect/>
+          </a:stretch>
+        </p:blipFill>
+        <p:spPr>
+          <a:xfrm>
+            <a:off x="0" y="4551322"/>
+            <a:ext cx="12192000" cy="1760578"/>
+          </a:xfrm>
+          <a:prstGeom prst="rect">
+            <a:avLst/>
+          </a:prstGeom>
+        </p:spPr>
+      </p:pic>
+      <p:pic>
+        <p:nvPicPr>
+          <p:cNvPr id="9" name="그림 8">
+            <a:extLst>
+              <a:ext uri="{FF2B5EF4-FFF2-40B4-BE49-F238E27FC236}">
+                <a16:creationId xmlns:a16="http://schemas.microsoft.com/office/drawing/2014/main" id="{BE163C59-8F5F-9D44-A9D2-7D6431FB042E}"/>
+              </a:ext>
+            </a:extLst>
+          </p:cNvPr>
+          <p:cNvPicPr>
+            <a:picLocks noChangeAspect="1"/>
+          </p:cNvPicPr>
+          <p:nvPr/>
+        </p:nvPicPr>
+        <p:blipFill>
+          <a:blip r:embed="rId3"/>
+          <a:stretch>
+            <a:fillRect/>
+          </a:stretch>
+        </p:blipFill>
+        <p:spPr>
+          <a:xfrm>
+            <a:off x="4584700" y="11907"/>
+            <a:ext cx="7607300" cy="571500"/>
+          </a:xfrm>
+          <a:prstGeom prst="rect">
+            <a:avLst/>
+          </a:prstGeom>
+        </p:spPr>
+      </p:pic>
+      <p:sp>
+        <p:nvSpPr>
+          <p:cNvPr id="10" name="액자 9">
+            <a:extLst>
+              <a:ext uri="{FF2B5EF4-FFF2-40B4-BE49-F238E27FC236}">
+                <a16:creationId xmlns:a16="http://schemas.microsoft.com/office/drawing/2014/main" id="{55C6C7CA-2973-614F-80CF-869D255FEA45}"/>
+              </a:ext>
+            </a:extLst>
+          </p:cNvPr>
+          <p:cNvSpPr/>
+          <p:nvPr/>
+        </p:nvSpPr>
+        <p:spPr>
+          <a:xfrm>
+            <a:off x="10984375" y="11907"/>
+            <a:ext cx="914400" cy="571500"/>
+          </a:xfrm>
+          <a:prstGeom prst="frame">
+            <a:avLst/>
+          </a:prstGeom>
+        </p:spPr>
+        <p:style>
+          <a:lnRef idx="2">
+            <a:schemeClr val="accent1">
+              <a:shade val="50000"/>
+            </a:schemeClr>
+          </a:lnRef>
+          <a:fillRef idx="1">
+            <a:schemeClr val="accent1"/>
+          </a:fillRef>
+          <a:effectRef idx="0">
+            <a:schemeClr val="accent1"/>
+          </a:effectRef>
+          <a:fontRef idx="minor">
+            <a:schemeClr val="lt1"/>
+          </a:fontRef>
+        </p:style>
+        <p:txBody>
+          <a:bodyPr rtlCol="0" anchor="ctr"/>
+          <a:lstStyle/>
+          <a:p>
+            <a:pPr algn="ctr"/>
+            <a:endParaRPr kumimoji="1" lang="ko-Kore-KR" altLang="en-US">
+              <a:solidFill>
+                <a:schemeClr val="tx1"/>
+              </a:solidFill>
+            </a:endParaRPr>
+          </a:p>
+        </p:txBody>
+      </p:sp>
+      <p:sp>
+        <p:nvSpPr>
+          <p:cNvPr id="11" name="액자 10">
+            <a:extLst>
+              <a:ext uri="{FF2B5EF4-FFF2-40B4-BE49-F238E27FC236}">
+                <a16:creationId xmlns:a16="http://schemas.microsoft.com/office/drawing/2014/main" id="{B98F6A5D-5A93-9047-A6DD-457C88C765B6}"/>
+              </a:ext>
+            </a:extLst>
+          </p:cNvPr>
+          <p:cNvSpPr/>
+          <p:nvPr/>
+        </p:nvSpPr>
+        <p:spPr>
+          <a:xfrm>
+            <a:off x="1969625" y="5522119"/>
+            <a:ext cx="3123235" cy="461992"/>
+          </a:xfrm>
+          <a:prstGeom prst="frame">
+            <a:avLst/>
+          </a:prstGeom>
+        </p:spPr>
+        <p:style>
+          <a:lnRef idx="2">
+            <a:schemeClr val="accent1">
+              <a:shade val="50000"/>
+            </a:schemeClr>
+          </a:lnRef>
+          <a:fillRef idx="1">
+            <a:schemeClr val="accent1"/>
+          </a:fillRef>
+          <a:effectRef idx="0">
+            <a:schemeClr val="accent1"/>
+          </a:effectRef>
+          <a:fontRef idx="minor">
+            <a:schemeClr val="lt1"/>
+          </a:fontRef>
+        </p:style>
+        <p:txBody>
+          <a:bodyPr rtlCol="0" anchor="ctr"/>
+          <a:lstStyle/>
+          <a:p>
+            <a:pPr algn="ctr"/>
+            <a:endParaRPr kumimoji="1" lang="ko-Kore-KR" altLang="en-US">
+              <a:solidFill>
+                <a:schemeClr val="tx1"/>
+              </a:solidFill>
+            </a:endParaRPr>
+          </a:p>
+        </p:txBody>
+      </p:sp>
+    </p:spTree>
+    <p:extLst>
+      <p:ext uri="{BB962C8B-B14F-4D97-AF65-F5344CB8AC3E}">
+        <p14:creationId xmlns:p14="http://schemas.microsoft.com/office/powerpoint/2010/main" val="2147037609"/>
+      </p:ext>
+    </p:extLst>
+  </p:cSld>
+  <p:clrMapOvr>
+    <a:masterClrMapping/>
+  </p:clrMapOvr>
+</p:sld>
+</file>
+
+<file path=ppt/slides/slide17.xml><?xml version="1.0" encoding="utf-8"?>
+<p:sld xmlns:a="http://schemas.openxmlformats.org/drawingml/2006/main" xmlns:r="http://schemas.openxmlformats.org/officeDocument/2006/relationships" xmlns:p="http://schemas.openxmlformats.org/presentationml/2006/main">
+  <p:cSld>
+    <p:spTree>
+      <p:nvGrpSpPr>
+        <p:cNvPr id="1" name=""/>
+        <p:cNvGrpSpPr/>
+        <p:nvPr/>
+      </p:nvGrpSpPr>
+      <p:grpSpPr>
+        <a:xfrm>
+          <a:off x="0" y="0"/>
+          <a:ext cx="0" cy="0"/>
+          <a:chOff x="0" y="0"/>
+          <a:chExt cx="0" cy="0"/>
+        </a:xfrm>
+      </p:grpSpPr>
+      <p:sp>
+        <p:nvSpPr>
+          <p:cNvPr id="2" name="제목 1">
+            <a:extLst>
+              <a:ext uri="{FF2B5EF4-FFF2-40B4-BE49-F238E27FC236}">
+                <a16:creationId xmlns:a16="http://schemas.microsoft.com/office/drawing/2014/main" id="{36294463-6D6E-8E41-B996-AFD060171031}"/>
+              </a:ext>
+            </a:extLst>
+          </p:cNvPr>
+          <p:cNvSpPr>
+            <a:spLocks noGrp="1"/>
+          </p:cNvSpPr>
+          <p:nvPr>
+            <p:ph type="title"/>
+          </p:nvPr>
+        </p:nvSpPr>
+        <p:spPr/>
+        <p:txBody>
+          <a:bodyPr/>
+          <a:lstStyle/>
+          <a:p>
+            <a:r>
+              <a:rPr kumimoji="1" lang="ko-KR" altLang="en-US" dirty="0"/>
+              <a:t>구현상 노하우</a:t>
+            </a:r>
+            <a:endParaRPr kumimoji="1" lang="ko-Kore-KR" altLang="en-US" dirty="0"/>
+          </a:p>
+        </p:txBody>
+      </p:sp>
+      <p:sp>
+        <p:nvSpPr>
+          <p:cNvPr id="3" name="내용 개체 틀 2">
+            <a:extLst>
+              <a:ext uri="{FF2B5EF4-FFF2-40B4-BE49-F238E27FC236}">
+                <a16:creationId xmlns:a16="http://schemas.microsoft.com/office/drawing/2014/main" id="{281FFAAE-AB28-1743-99BC-C4C35BFFCE5B}"/>
+              </a:ext>
+            </a:extLst>
+          </p:cNvPr>
+          <p:cNvSpPr>
+            <a:spLocks noGrp="1"/>
+          </p:cNvSpPr>
+          <p:nvPr>
+            <p:ph idx="1"/>
+          </p:nvPr>
+        </p:nvSpPr>
+        <p:spPr>
+          <a:xfrm>
             <a:off x="838200" y="1825625"/>
             <a:ext cx="5625028" cy="4351338"/>
           </a:xfrm>
@@ -6445,7 +6927,7 @@
           <a:p>
             <a:fld id="{305FC841-63F1-7A4A-814A-731E62CE6D51}" type="slidenum">
               <a:rPr kumimoji="1" lang="ko-Kore-KR" altLang="en-US" smtClean="0"/>
-              <a:t>16</a:t>
+              <a:t>17</a:t>
             </a:fld>
             <a:endParaRPr kumimoji="1" lang="ko-Kore-KR" altLang="en-US"/>
           </a:p>
@@ -6494,512 +6976,6 @@
 </p:sld>
 </file>
 
-<file path=ppt/slides/slide17.xml><?xml version="1.0" encoding="utf-8"?>
-<p:sld xmlns:a="http://schemas.openxmlformats.org/drawingml/2006/main" xmlns:r="http://schemas.openxmlformats.org/officeDocument/2006/relationships" xmlns:p="http://schemas.openxmlformats.org/presentationml/2006/main">
-  <p:cSld>
-    <p:spTree>
-      <p:nvGrpSpPr>
-        <p:cNvPr id="1" name=""/>
-        <p:cNvGrpSpPr/>
-        <p:nvPr/>
-      </p:nvGrpSpPr>
-      <p:grpSpPr>
-        <a:xfrm>
-          <a:off x="0" y="0"/>
-          <a:ext cx="0" cy="0"/>
-          <a:chOff x="0" y="0"/>
-          <a:chExt cx="0" cy="0"/>
-        </a:xfrm>
-      </p:grpSpPr>
-      <p:sp>
-        <p:nvSpPr>
-          <p:cNvPr id="2" name="제목 1">
-            <a:extLst>
-              <a:ext uri="{FF2B5EF4-FFF2-40B4-BE49-F238E27FC236}">
-                <a16:creationId xmlns:a16="http://schemas.microsoft.com/office/drawing/2014/main" id="{36294463-6D6E-8E41-B996-AFD060171031}"/>
-              </a:ext>
-            </a:extLst>
-          </p:cNvPr>
-          <p:cNvSpPr>
-            <a:spLocks noGrp="1"/>
-          </p:cNvSpPr>
-          <p:nvPr>
-            <p:ph type="title"/>
-          </p:nvPr>
-        </p:nvSpPr>
-        <p:spPr/>
-        <p:txBody>
-          <a:bodyPr/>
-          <a:lstStyle/>
-          <a:p>
-            <a:r>
-              <a:rPr kumimoji="1" lang="en-US" altLang="ko-KR" dirty="0" err="1"/>
-              <a:t>CheckPoint</a:t>
-            </a:r>
-            <a:r>
-              <a:rPr kumimoji="1" lang="en-US" altLang="ko-KR" dirty="0"/>
-              <a:t> (1)</a:t>
-            </a:r>
-            <a:endParaRPr kumimoji="1" lang="ko-Kore-KR" altLang="en-US" dirty="0"/>
-          </a:p>
-        </p:txBody>
-      </p:sp>
-      <p:sp>
-        <p:nvSpPr>
-          <p:cNvPr id="4" name="슬라이드 번호 개체 틀 3">
-            <a:extLst>
-              <a:ext uri="{FF2B5EF4-FFF2-40B4-BE49-F238E27FC236}">
-                <a16:creationId xmlns:a16="http://schemas.microsoft.com/office/drawing/2014/main" id="{1539EA97-22A5-2D4C-9BD1-A3A9B30F08B2}"/>
-              </a:ext>
-            </a:extLst>
-          </p:cNvPr>
-          <p:cNvSpPr>
-            <a:spLocks noGrp="1"/>
-          </p:cNvSpPr>
-          <p:nvPr>
-            <p:ph type="sldNum" sz="quarter" idx="12"/>
-          </p:nvPr>
-        </p:nvSpPr>
-        <p:spPr/>
-        <p:txBody>
-          <a:bodyPr/>
-          <a:lstStyle/>
-          <a:p>
-            <a:fld id="{305FC841-63F1-7A4A-814A-731E62CE6D51}" type="slidenum">
-              <a:rPr kumimoji="1" lang="ko-Kore-KR" altLang="en-US" smtClean="0"/>
-              <a:t>17</a:t>
-            </a:fld>
-            <a:endParaRPr kumimoji="1" lang="ko-Kore-KR" altLang="en-US"/>
-          </a:p>
-        </p:txBody>
-      </p:sp>
-      <p:sp>
-        <p:nvSpPr>
-          <p:cNvPr id="13" name="내용 개체 틀 2">
-            <a:extLst>
-              <a:ext uri="{FF2B5EF4-FFF2-40B4-BE49-F238E27FC236}">
-                <a16:creationId xmlns:a16="http://schemas.microsoft.com/office/drawing/2014/main" id="{AD2D2B62-72DB-8A4D-8FE9-86D169D8E3A0}"/>
-              </a:ext>
-            </a:extLst>
-          </p:cNvPr>
-          <p:cNvSpPr>
-            <a:spLocks noGrp="1"/>
-          </p:cNvSpPr>
-          <p:nvPr>
-            <p:ph idx="1"/>
-          </p:nvPr>
-        </p:nvSpPr>
-        <p:spPr>
-          <a:xfrm>
-            <a:off x="838200" y="1825624"/>
-            <a:ext cx="9052932" cy="4895851"/>
-          </a:xfrm>
-        </p:spPr>
-        <p:txBody>
-          <a:bodyPr>
-            <a:normAutofit/>
-          </a:bodyPr>
-          <a:lstStyle/>
-          <a:p>
-            <a:r>
-              <a:rPr kumimoji="1" lang="en-US" altLang="ko-KR" sz="1800" dirty="0"/>
-              <a:t>Named pipe</a:t>
-            </a:r>
-            <a:r>
-              <a:rPr kumimoji="1" lang="ko-KR" altLang="en-US" sz="1800" dirty="0" err="1"/>
-              <a:t>를</a:t>
-            </a:r>
-            <a:r>
-              <a:rPr kumimoji="1" lang="ko-KR" altLang="en-US" sz="1800" dirty="0"/>
-              <a:t> 누가 생성하고 누가 제거할 것인가</a:t>
-            </a:r>
-            <a:r>
-              <a:rPr kumimoji="1" lang="en-US" altLang="ko-KR" sz="1800" dirty="0"/>
-              <a:t>?</a:t>
-            </a:r>
-          </a:p>
-          <a:p>
-            <a:r>
-              <a:rPr kumimoji="1" lang="en-US" altLang="ko-KR" sz="1800" dirty="0"/>
-              <a:t>A. </a:t>
-            </a:r>
-            <a:r>
-              <a:rPr kumimoji="1" lang="ko-KR" altLang="en-US" sz="1800" dirty="0"/>
-              <a:t>생성과 제거 모두 </a:t>
-            </a:r>
-            <a:r>
-              <a:rPr kumimoji="1" lang="en-US" altLang="ko-KR" sz="1800" dirty="0" err="1"/>
-              <a:t>clientPost</a:t>
-            </a:r>
-            <a:r>
-              <a:rPr kumimoji="1" lang="ko-KR" altLang="en-US" sz="1800" dirty="0"/>
-              <a:t>에서 담당하도록 하였다</a:t>
-            </a:r>
-            <a:r>
-              <a:rPr kumimoji="1" lang="en-US" altLang="ko-KR" sz="1800" dirty="0"/>
-              <a:t>.</a:t>
-            </a:r>
-          </a:p>
-          <a:p>
-            <a:r>
-              <a:rPr kumimoji="1" lang="ko-KR" altLang="en-US" sz="1800" dirty="0"/>
-              <a:t>이유</a:t>
-            </a:r>
-            <a:endParaRPr kumimoji="1" lang="en-US" altLang="ko-KR" sz="1800" dirty="0"/>
-          </a:p>
-          <a:p>
-            <a:pPr lvl="1"/>
-            <a:r>
-              <a:rPr kumimoji="1" lang="en-US" altLang="ko-KR" sz="1700" dirty="0" err="1"/>
-              <a:t>clientPost</a:t>
-            </a:r>
-            <a:r>
-              <a:rPr kumimoji="1" lang="ko-KR" altLang="en-US" sz="1700" dirty="0"/>
-              <a:t>의 역할은</a:t>
-            </a:r>
-            <a:r>
-              <a:rPr kumimoji="1" lang="en-US" altLang="ko-KR" sz="1700" dirty="0"/>
-              <a:t>,</a:t>
-            </a:r>
-            <a:r>
-              <a:rPr kumimoji="1" lang="ko-KR" altLang="en-US" sz="1700" dirty="0"/>
-              <a:t> </a:t>
-            </a:r>
-            <a:r>
-              <a:rPr kumimoji="1" lang="en-US" altLang="ko-KR" sz="1700" dirty="0"/>
-              <a:t>Database</a:t>
-            </a:r>
-            <a:r>
-              <a:rPr kumimoji="1" lang="ko-KR" altLang="en-US" sz="1700" dirty="0"/>
-              <a:t>로 정보를 전송하고 싶을 때에 실행되는 프로그램</a:t>
-            </a:r>
-            <a:endParaRPr kumimoji="1" lang="en-US" altLang="ko-KR" sz="1700" dirty="0"/>
-          </a:p>
-          <a:p>
-            <a:pPr lvl="1"/>
-            <a:r>
-              <a:rPr kumimoji="1" lang="en-US" altLang="ko-KR" sz="1700" dirty="0" err="1"/>
-              <a:t>clientPost</a:t>
-            </a:r>
-            <a:r>
-              <a:rPr kumimoji="1" lang="ko-KR" altLang="en-US" sz="1700" dirty="0"/>
-              <a:t>가 실행 될 그때부터 </a:t>
-            </a:r>
-            <a:r>
-              <a:rPr kumimoji="1" lang="en-US" altLang="ko-KR" sz="1700" dirty="0"/>
-              <a:t>Named pipe</a:t>
-            </a:r>
-            <a:r>
-              <a:rPr kumimoji="1" lang="ko-KR" altLang="en-US" sz="1700" dirty="0"/>
-              <a:t>가 필요한 상황이 올 것이다</a:t>
-            </a:r>
-            <a:r>
-              <a:rPr kumimoji="1" lang="en-US" altLang="ko-KR" sz="1700" dirty="0"/>
-              <a:t>.</a:t>
-            </a:r>
-          </a:p>
-          <a:p>
-            <a:pPr lvl="1"/>
-            <a:r>
-              <a:rPr kumimoji="1" lang="ko-KR" altLang="en-US" sz="1700" dirty="0"/>
-              <a:t>그래서 </a:t>
-            </a:r>
-            <a:r>
-              <a:rPr kumimoji="1" lang="en-US" altLang="ko-KR" sz="1700" dirty="0" err="1"/>
-              <a:t>Mkfifo</a:t>
-            </a:r>
-            <a:r>
-              <a:rPr kumimoji="1" lang="ko-KR" altLang="en-US" sz="1700" dirty="0" err="1"/>
-              <a:t>를</a:t>
-            </a:r>
-            <a:r>
-              <a:rPr kumimoji="1" lang="ko-KR" altLang="en-US" sz="1700" dirty="0"/>
-              <a:t> </a:t>
-            </a:r>
-            <a:r>
-              <a:rPr kumimoji="1" lang="en-US" altLang="ko-KR" sz="1700" dirty="0" err="1"/>
-              <a:t>clientPost</a:t>
-            </a:r>
-            <a:r>
-              <a:rPr kumimoji="1" lang="ko-KR" altLang="en-US" sz="1700" dirty="0"/>
-              <a:t>에서 담당한다</a:t>
-            </a:r>
-            <a:r>
-              <a:rPr kumimoji="1" lang="en-US" altLang="ko-KR" sz="1700" dirty="0"/>
-              <a:t>.</a:t>
-            </a:r>
-          </a:p>
-          <a:p>
-            <a:pPr lvl="1"/>
-            <a:r>
-              <a:rPr kumimoji="1" lang="ko-KR" altLang="en-US" sz="1700" dirty="0"/>
-              <a:t>정확히는 </a:t>
-            </a:r>
-            <a:r>
-              <a:rPr kumimoji="1" lang="en-US" altLang="ko-KR" sz="1700" dirty="0" err="1"/>
-              <a:t>clientPost</a:t>
-            </a:r>
-            <a:r>
-              <a:rPr kumimoji="1" lang="ko-KR" altLang="en-US" sz="1700" dirty="0"/>
-              <a:t>가</a:t>
-            </a:r>
-            <a:r>
-              <a:rPr kumimoji="1" lang="en-US" altLang="ko-KR" sz="1700" dirty="0"/>
-              <a:t> </a:t>
-            </a:r>
-            <a:r>
-              <a:rPr kumimoji="1" lang="ko-KR" altLang="en-US" sz="1700" dirty="0"/>
-              <a:t>실행되는 그 순간에 바로 </a:t>
-            </a:r>
-            <a:r>
-              <a:rPr kumimoji="1" lang="en-US" altLang="ko-KR" sz="1700" dirty="0" err="1"/>
-              <a:t>Mkfifo</a:t>
-            </a:r>
-            <a:r>
-              <a:rPr kumimoji="1" lang="en-US" altLang="ko-KR" sz="1700" dirty="0"/>
-              <a:t> </a:t>
-            </a:r>
-            <a:r>
-              <a:rPr kumimoji="1" lang="ko-KR" altLang="en-US" sz="1700" dirty="0"/>
-              <a:t>실행</a:t>
-            </a:r>
-            <a:endParaRPr kumimoji="1" lang="en-US" altLang="ko-KR" sz="1700" dirty="0"/>
-          </a:p>
-          <a:p>
-            <a:pPr lvl="1"/>
-            <a:endParaRPr kumimoji="1" lang="en-US" altLang="ko-KR" sz="1700" dirty="0"/>
-          </a:p>
-          <a:p>
-            <a:pPr lvl="1"/>
-            <a:r>
-              <a:rPr kumimoji="1" lang="en-US" altLang="ko-KR" sz="1700" dirty="0" err="1"/>
-              <a:t>clientPost</a:t>
-            </a:r>
-            <a:r>
-              <a:rPr kumimoji="1" lang="ko-KR" altLang="en-US" sz="1700" dirty="0"/>
-              <a:t>가 종료되면</a:t>
-            </a:r>
-            <a:r>
-              <a:rPr kumimoji="1" lang="en-US" altLang="ko-KR" sz="1700" dirty="0"/>
-              <a:t>,</a:t>
-            </a:r>
-            <a:r>
-              <a:rPr kumimoji="1" lang="ko-KR" altLang="en-US" sz="1700" dirty="0"/>
-              <a:t> 그 이후로 정보를 보낼 일이 없으므로 </a:t>
-            </a:r>
-            <a:r>
-              <a:rPr kumimoji="1" lang="en-US" altLang="ko-KR" sz="1700" dirty="0"/>
-              <a:t>named pipe</a:t>
-            </a:r>
-            <a:r>
-              <a:rPr kumimoji="1" lang="ko-KR" altLang="en-US" sz="1700" dirty="0" err="1"/>
-              <a:t>를</a:t>
-            </a:r>
-            <a:r>
-              <a:rPr kumimoji="1" lang="ko-KR" altLang="en-US" sz="1700" dirty="0"/>
-              <a:t> 쓸 일도 없어진다</a:t>
-            </a:r>
-            <a:r>
-              <a:rPr kumimoji="1" lang="en-US" altLang="ko-KR" sz="1700" dirty="0"/>
-              <a:t>.</a:t>
-            </a:r>
-          </a:p>
-          <a:p>
-            <a:pPr lvl="1"/>
-            <a:r>
-              <a:rPr kumimoji="1" lang="ko-KR" altLang="en-US" sz="1700" dirty="0"/>
-              <a:t>그래서 </a:t>
-            </a:r>
-            <a:r>
-              <a:rPr kumimoji="1" lang="en-US" altLang="ko-KR" sz="1700" dirty="0"/>
-              <a:t>Unlink</a:t>
-            </a:r>
-            <a:r>
-              <a:rPr kumimoji="1" lang="ko-KR" altLang="en-US" sz="1700" dirty="0"/>
-              <a:t> 또한 </a:t>
-            </a:r>
-            <a:r>
-              <a:rPr kumimoji="1" lang="en-US" altLang="ko-KR" sz="1700" dirty="0" err="1"/>
-              <a:t>clientPost</a:t>
-            </a:r>
-            <a:r>
-              <a:rPr kumimoji="1" lang="ko-KR" altLang="en-US" sz="1700" dirty="0"/>
-              <a:t>에서 담당한다</a:t>
-            </a:r>
-            <a:r>
-              <a:rPr kumimoji="1" lang="en-US" altLang="ko-KR" sz="1700" dirty="0"/>
-              <a:t>.</a:t>
-            </a:r>
-          </a:p>
-          <a:p>
-            <a:pPr lvl="1"/>
-            <a:r>
-              <a:rPr kumimoji="1" lang="ko-KR" altLang="en-US" sz="1700" dirty="0"/>
-              <a:t>정확히는 </a:t>
-            </a:r>
-            <a:r>
-              <a:rPr kumimoji="1" lang="en-US" altLang="ko-KR" sz="1700" dirty="0"/>
-              <a:t>quit</a:t>
-            </a:r>
-            <a:r>
-              <a:rPr kumimoji="1" lang="ko-KR" altLang="en-US" sz="1700" dirty="0"/>
-              <a:t> 명령어를 통한 종료 직전에 </a:t>
-            </a:r>
-            <a:r>
-              <a:rPr kumimoji="1" lang="en-US" altLang="ko-KR" sz="1700" dirty="0"/>
-              <a:t>Unlink</a:t>
-            </a:r>
-            <a:r>
-              <a:rPr kumimoji="1" lang="ko-KR" altLang="en-US" sz="1700" dirty="0"/>
-              <a:t> 실행</a:t>
-            </a:r>
-            <a:endParaRPr kumimoji="1" lang="en-US" altLang="ko-KR" sz="1700" dirty="0"/>
-          </a:p>
-          <a:p>
-            <a:r>
-              <a:rPr kumimoji="1" lang="en-US" altLang="ko-KR" sz="1800" dirty="0"/>
-              <a:t>Named pipe</a:t>
-            </a:r>
-            <a:r>
-              <a:rPr kumimoji="1" lang="ko-KR" altLang="en-US" sz="1800" dirty="0" err="1"/>
-              <a:t>를</a:t>
-            </a:r>
-            <a:r>
-              <a:rPr kumimoji="1" lang="ko-KR" altLang="en-US" sz="1800" dirty="0"/>
-              <a:t> 통해 받는 값의 길이는 어떻게 아는가</a:t>
-            </a:r>
-            <a:r>
-              <a:rPr kumimoji="1" lang="en-US" altLang="ko-KR" sz="1800" dirty="0"/>
-              <a:t>?</a:t>
-            </a:r>
-          </a:p>
-          <a:p>
-            <a:r>
-              <a:rPr kumimoji="1" lang="en-US" altLang="ko-KR" sz="1800" dirty="0"/>
-              <a:t>A. </a:t>
-            </a:r>
-            <a:r>
-              <a:rPr kumimoji="1" lang="ko-KR" altLang="en-US" sz="1800" dirty="0"/>
-              <a:t>길이를 먼저 </a:t>
-            </a:r>
-            <a:r>
-              <a:rPr kumimoji="1" lang="en-US" altLang="ko-KR" sz="1800" dirty="0"/>
-              <a:t>Write</a:t>
-            </a:r>
-            <a:r>
-              <a:rPr kumimoji="1" lang="ko-KR" altLang="en-US" sz="1800" dirty="0"/>
-              <a:t>하고</a:t>
-            </a:r>
-            <a:r>
-              <a:rPr kumimoji="1" lang="en-US" altLang="ko-KR" sz="1800" dirty="0"/>
-              <a:t>,</a:t>
-            </a:r>
-            <a:r>
-              <a:rPr kumimoji="1" lang="ko-KR" altLang="en-US" sz="1800" dirty="0"/>
-              <a:t> 그 후에 </a:t>
-            </a:r>
-            <a:r>
-              <a:rPr kumimoji="1" lang="en-US" altLang="ko-KR" sz="1800" dirty="0"/>
-              <a:t>msg</a:t>
-            </a:r>
-            <a:r>
-              <a:rPr kumimoji="1" lang="ko-KR" altLang="en-US" sz="1800" dirty="0" err="1"/>
-              <a:t>를</a:t>
-            </a:r>
-            <a:r>
-              <a:rPr kumimoji="1" lang="ko-KR" altLang="en-US" sz="1800" dirty="0"/>
-              <a:t> 전송하므로</a:t>
-            </a:r>
-            <a:r>
-              <a:rPr kumimoji="1" lang="en-US" altLang="ko-KR" sz="1800" dirty="0"/>
-              <a:t>,</a:t>
-            </a:r>
-            <a:r>
-              <a:rPr kumimoji="1" lang="ko-KR" altLang="en-US" sz="1800" dirty="0"/>
-              <a:t> 수신자 측에서는 </a:t>
-            </a:r>
-            <a:r>
-              <a:rPr kumimoji="1" lang="en-US" altLang="ko-KR" sz="1800" dirty="0"/>
-              <a:t>FIFO</a:t>
-            </a:r>
-            <a:r>
-              <a:rPr kumimoji="1" lang="ko-KR" altLang="en-US" sz="1800" dirty="0"/>
-              <a:t>에 의거하여</a:t>
-            </a:r>
-            <a:r>
-              <a:rPr kumimoji="1" lang="en-US" altLang="ko-KR" sz="1800" dirty="0"/>
-              <a:t>,</a:t>
-            </a:r>
-            <a:r>
-              <a:rPr kumimoji="1" lang="ko-KR" altLang="en-US" sz="1800" dirty="0"/>
-              <a:t> 먼저 </a:t>
-            </a:r>
-            <a:r>
-              <a:rPr kumimoji="1" lang="en-US" altLang="ko-KR" sz="1800" dirty="0"/>
-              <a:t>Read</a:t>
-            </a:r>
-            <a:r>
-              <a:rPr kumimoji="1" lang="ko-KR" altLang="en-US" sz="1800" dirty="0"/>
-              <a:t>하는 것이 길이일 것이고</a:t>
-            </a:r>
-            <a:r>
-              <a:rPr kumimoji="1" lang="en-US" altLang="ko-KR" sz="1800" dirty="0"/>
-              <a:t>,</a:t>
-            </a:r>
-            <a:r>
-              <a:rPr kumimoji="1" lang="ko-KR" altLang="en-US" sz="1800" dirty="0"/>
-              <a:t> 그 길이를 토대로 </a:t>
-            </a:r>
-            <a:r>
-              <a:rPr kumimoji="1" lang="en-US" altLang="ko-KR" sz="1800" dirty="0"/>
-              <a:t>msg</a:t>
-            </a:r>
-            <a:r>
-              <a:rPr kumimoji="1" lang="ko-KR" altLang="en-US" sz="1800" dirty="0" err="1"/>
-              <a:t>를</a:t>
-            </a:r>
-            <a:r>
-              <a:rPr kumimoji="1" lang="ko-KR" altLang="en-US" sz="1800" dirty="0"/>
-              <a:t> </a:t>
-            </a:r>
-            <a:r>
-              <a:rPr kumimoji="1" lang="en-US" altLang="ko-KR" sz="1800" dirty="0"/>
-              <a:t>Read</a:t>
-            </a:r>
-            <a:r>
-              <a:rPr kumimoji="1" lang="ko-KR" altLang="en-US" sz="1800" dirty="0"/>
-              <a:t>하면 될 것이다</a:t>
-            </a:r>
-            <a:r>
-              <a:rPr kumimoji="1" lang="en-US" altLang="ko-KR" sz="1800" dirty="0"/>
-              <a:t>.</a:t>
-            </a:r>
-          </a:p>
-          <a:p>
-            <a:endParaRPr kumimoji="1" lang="en-US" altLang="ko-KR" sz="2100" dirty="0"/>
-          </a:p>
-          <a:p>
-            <a:pPr lvl="1"/>
-            <a:endParaRPr kumimoji="1" lang="en-US" altLang="ko-KR" sz="1600" dirty="0"/>
-          </a:p>
-          <a:p>
-            <a:endParaRPr kumimoji="1" lang="en-US" altLang="ko-KR" sz="1100" dirty="0"/>
-          </a:p>
-        </p:txBody>
-      </p:sp>
-    </p:spTree>
-    <p:extLst>
-      <p:ext uri="{BB962C8B-B14F-4D97-AF65-F5344CB8AC3E}">
-        <p14:creationId xmlns:p14="http://schemas.microsoft.com/office/powerpoint/2010/main" val="3876276914"/>
-      </p:ext>
-    </p:extLst>
-  </p:cSld>
-  <p:clrMapOvr>
-    <a:masterClrMapping/>
-  </p:clrMapOvr>
-</p:sld>
-</file>
-
 <file path=ppt/slides/slide18.xml><?xml version="1.0" encoding="utf-8"?>
 <p:sld xmlns:a="http://schemas.openxmlformats.org/drawingml/2006/main" xmlns:r="http://schemas.openxmlformats.org/officeDocument/2006/relationships" xmlns:p="http://schemas.openxmlformats.org/presentationml/2006/main">
   <p:cSld>
@@ -7044,7 +7020,7 @@
             </a:r>
             <a:r>
               <a:rPr kumimoji="1" lang="en-US" altLang="ko-KR" dirty="0"/>
-              <a:t> (2)</a:t>
+              <a:t> (1)</a:t>
             </a:r>
             <a:endParaRPr kumimoji="1" lang="ko-Kore-KR" altLang="en-US" dirty="0"/>
           </a:p>
@@ -7108,16 +7084,8 @@
           <a:lstStyle/>
           <a:p>
             <a:r>
-              <a:rPr kumimoji="1" lang="en-US" altLang="ko-KR" sz="1800" dirty="0" err="1"/>
-              <a:t>alarmClient</a:t>
-            </a:r>
-            <a:r>
               <a:rPr kumimoji="1" lang="en-US" altLang="ko-KR" sz="1800" dirty="0"/>
-              <a:t>, </a:t>
-            </a:r>
-            <a:r>
-              <a:rPr kumimoji="1" lang="en-US" altLang="ko-KR" sz="1800" dirty="0" err="1"/>
-              <a:t>alarmServer</a:t>
+              <a:t>Named pipe</a:t>
             </a:r>
             <a:r>
               <a:rPr kumimoji="1" lang="ko-KR" altLang="en-US" sz="1800" dirty="0" err="1"/>
@@ -7125,7 +7093,7 @@
             </a:r>
             <a:r>
               <a:rPr kumimoji="1" lang="ko-KR" altLang="en-US" sz="1800" dirty="0"/>
-              <a:t> 누가 생성하는가</a:t>
+              <a:t> 누가 생성하고 누가 제거할 것인가</a:t>
             </a:r>
             <a:r>
               <a:rPr kumimoji="1" lang="en-US" altLang="ko-KR" sz="1800" dirty="0"/>
@@ -7138,20 +7106,271 @@
               <a:t>A. </a:t>
             </a:r>
             <a:r>
+              <a:rPr kumimoji="1" lang="ko-KR" altLang="en-US" sz="1800" dirty="0"/>
+              <a:t>생성과 제거 모두 </a:t>
+            </a:r>
+            <a:r>
               <a:rPr kumimoji="1" lang="en-US" altLang="ko-KR" sz="1800" dirty="0" err="1"/>
-              <a:t>alarmClient</a:t>
+              <a:t>clientPost</a:t>
             </a:r>
             <a:r>
               <a:rPr kumimoji="1" lang="ko-KR" altLang="en-US" sz="1800" dirty="0"/>
-              <a:t>는 </a:t>
-            </a:r>
-            <a:r>
-              <a:rPr kumimoji="1" lang="en-US" altLang="ko-KR" sz="1800" dirty="0" err="1"/>
-              <a:t>dataPost.cgi</a:t>
-            </a:r>
+              <a:t>에서 담당하도록 하였다</a:t>
+            </a:r>
+            <a:r>
+              <a:rPr kumimoji="1" lang="en-US" altLang="ko-KR" sz="1800" dirty="0"/>
+              <a:t>.</a:t>
+            </a:r>
+          </a:p>
+          <a:p>
             <a:r>
               <a:rPr kumimoji="1" lang="ko-KR" altLang="en-US" sz="1800" dirty="0"/>
-              <a:t>에서</a:t>
+              <a:t>이유</a:t>
+            </a:r>
+            <a:endParaRPr kumimoji="1" lang="en-US" altLang="ko-KR" sz="1800" dirty="0"/>
+          </a:p>
+          <a:p>
+            <a:pPr lvl="1"/>
+            <a:r>
+              <a:rPr kumimoji="1" lang="en-US" altLang="ko-KR" sz="1700" dirty="0" err="1"/>
+              <a:t>clientPost</a:t>
+            </a:r>
+            <a:r>
+              <a:rPr kumimoji="1" lang="ko-KR" altLang="en-US" sz="1700" dirty="0"/>
+              <a:t>의 역할은</a:t>
+            </a:r>
+            <a:r>
+              <a:rPr kumimoji="1" lang="en-US" altLang="ko-KR" sz="1700" dirty="0"/>
+              <a:t>,</a:t>
+            </a:r>
+            <a:r>
+              <a:rPr kumimoji="1" lang="ko-KR" altLang="en-US" sz="1700" dirty="0"/>
+              <a:t> </a:t>
+            </a:r>
+            <a:r>
+              <a:rPr kumimoji="1" lang="en-US" altLang="ko-KR" sz="1700" dirty="0"/>
+              <a:t>Database</a:t>
+            </a:r>
+            <a:r>
+              <a:rPr kumimoji="1" lang="ko-KR" altLang="en-US" sz="1700" dirty="0"/>
+              <a:t>로 정보를 전송하고 싶을 때에 실행되는 프로그램</a:t>
+            </a:r>
+            <a:endParaRPr kumimoji="1" lang="en-US" altLang="ko-KR" sz="1700" dirty="0"/>
+          </a:p>
+          <a:p>
+            <a:pPr lvl="1"/>
+            <a:r>
+              <a:rPr kumimoji="1" lang="en-US" altLang="ko-KR" sz="1700" dirty="0" err="1"/>
+              <a:t>clientPost</a:t>
+            </a:r>
+            <a:r>
+              <a:rPr kumimoji="1" lang="ko-KR" altLang="en-US" sz="1700" dirty="0"/>
+              <a:t>가 실행 될 그때부터 </a:t>
+            </a:r>
+            <a:r>
+              <a:rPr kumimoji="1" lang="en-US" altLang="ko-KR" sz="1700" dirty="0"/>
+              <a:t>Named pipe</a:t>
+            </a:r>
+            <a:r>
+              <a:rPr kumimoji="1" lang="ko-KR" altLang="en-US" sz="1700" dirty="0"/>
+              <a:t>가 필요한 상황이 올 것이다</a:t>
+            </a:r>
+            <a:r>
+              <a:rPr kumimoji="1" lang="en-US" altLang="ko-KR" sz="1700" dirty="0"/>
+              <a:t>.</a:t>
+            </a:r>
+          </a:p>
+          <a:p>
+            <a:pPr lvl="1"/>
+            <a:r>
+              <a:rPr kumimoji="1" lang="ko-KR" altLang="en-US" sz="1700" dirty="0"/>
+              <a:t>그래서 </a:t>
+            </a:r>
+            <a:r>
+              <a:rPr kumimoji="1" lang="en-US" altLang="ko-KR" sz="1700" dirty="0" err="1"/>
+              <a:t>Mkfifo</a:t>
+            </a:r>
+            <a:r>
+              <a:rPr kumimoji="1" lang="ko-KR" altLang="en-US" sz="1700" dirty="0" err="1"/>
+              <a:t>를</a:t>
+            </a:r>
+            <a:r>
+              <a:rPr kumimoji="1" lang="ko-KR" altLang="en-US" sz="1700" dirty="0"/>
+              <a:t> </a:t>
+            </a:r>
+            <a:r>
+              <a:rPr kumimoji="1" lang="en-US" altLang="ko-KR" sz="1700" dirty="0" err="1"/>
+              <a:t>clientPost</a:t>
+            </a:r>
+            <a:r>
+              <a:rPr kumimoji="1" lang="ko-KR" altLang="en-US" sz="1700" dirty="0"/>
+              <a:t>에서 담당한다</a:t>
+            </a:r>
+            <a:r>
+              <a:rPr kumimoji="1" lang="en-US" altLang="ko-KR" sz="1700" dirty="0"/>
+              <a:t>.</a:t>
+            </a:r>
+          </a:p>
+          <a:p>
+            <a:pPr lvl="1"/>
+            <a:r>
+              <a:rPr kumimoji="1" lang="ko-KR" altLang="en-US" sz="1700" dirty="0"/>
+              <a:t>정확히는 </a:t>
+            </a:r>
+            <a:r>
+              <a:rPr kumimoji="1" lang="en-US" altLang="ko-KR" sz="1700" dirty="0" err="1"/>
+              <a:t>clientPost</a:t>
+            </a:r>
+            <a:r>
+              <a:rPr kumimoji="1" lang="ko-KR" altLang="en-US" sz="1700" dirty="0"/>
+              <a:t>가</a:t>
+            </a:r>
+            <a:r>
+              <a:rPr kumimoji="1" lang="en-US" altLang="ko-KR" sz="1700" dirty="0"/>
+              <a:t> </a:t>
+            </a:r>
+            <a:r>
+              <a:rPr kumimoji="1" lang="ko-KR" altLang="en-US" sz="1700" dirty="0"/>
+              <a:t>실행되는 그 순간에 바로 </a:t>
+            </a:r>
+            <a:r>
+              <a:rPr kumimoji="1" lang="en-US" altLang="ko-KR" sz="1700" dirty="0" err="1"/>
+              <a:t>Mkfifo</a:t>
+            </a:r>
+            <a:r>
+              <a:rPr kumimoji="1" lang="en-US" altLang="ko-KR" sz="1700" dirty="0"/>
+              <a:t> </a:t>
+            </a:r>
+            <a:r>
+              <a:rPr kumimoji="1" lang="ko-KR" altLang="en-US" sz="1700" dirty="0"/>
+              <a:t>실행</a:t>
+            </a:r>
+            <a:endParaRPr kumimoji="1" lang="en-US" altLang="ko-KR" sz="1700" dirty="0"/>
+          </a:p>
+          <a:p>
+            <a:pPr lvl="1"/>
+            <a:endParaRPr kumimoji="1" lang="en-US" altLang="ko-KR" sz="1700" dirty="0"/>
+          </a:p>
+          <a:p>
+            <a:pPr lvl="1"/>
+            <a:r>
+              <a:rPr kumimoji="1" lang="en-US" altLang="ko-KR" sz="1700" dirty="0" err="1"/>
+              <a:t>clientPost</a:t>
+            </a:r>
+            <a:r>
+              <a:rPr kumimoji="1" lang="ko-KR" altLang="en-US" sz="1700" dirty="0"/>
+              <a:t>가 종료되면</a:t>
+            </a:r>
+            <a:r>
+              <a:rPr kumimoji="1" lang="en-US" altLang="ko-KR" sz="1700" dirty="0"/>
+              <a:t>,</a:t>
+            </a:r>
+            <a:r>
+              <a:rPr kumimoji="1" lang="ko-KR" altLang="en-US" sz="1700" dirty="0"/>
+              <a:t> 그 이후로 정보를 보낼 일이 없으므로 </a:t>
+            </a:r>
+            <a:r>
+              <a:rPr kumimoji="1" lang="en-US" altLang="ko-KR" sz="1700" dirty="0"/>
+              <a:t>named pipe</a:t>
+            </a:r>
+            <a:r>
+              <a:rPr kumimoji="1" lang="ko-KR" altLang="en-US" sz="1700" dirty="0" err="1"/>
+              <a:t>를</a:t>
+            </a:r>
+            <a:r>
+              <a:rPr kumimoji="1" lang="ko-KR" altLang="en-US" sz="1700" dirty="0"/>
+              <a:t> 쓸 일도 없어진다</a:t>
+            </a:r>
+            <a:r>
+              <a:rPr kumimoji="1" lang="en-US" altLang="ko-KR" sz="1700" dirty="0"/>
+              <a:t>.</a:t>
+            </a:r>
+          </a:p>
+          <a:p>
+            <a:pPr lvl="1"/>
+            <a:r>
+              <a:rPr kumimoji="1" lang="ko-KR" altLang="en-US" sz="1700" dirty="0"/>
+              <a:t>그래서 </a:t>
+            </a:r>
+            <a:r>
+              <a:rPr kumimoji="1" lang="en-US" altLang="ko-KR" sz="1700" dirty="0"/>
+              <a:t>Unlink</a:t>
+            </a:r>
+            <a:r>
+              <a:rPr kumimoji="1" lang="ko-KR" altLang="en-US" sz="1700" dirty="0"/>
+              <a:t> 또한 </a:t>
+            </a:r>
+            <a:r>
+              <a:rPr kumimoji="1" lang="en-US" altLang="ko-KR" sz="1700" dirty="0" err="1"/>
+              <a:t>clientPost</a:t>
+            </a:r>
+            <a:r>
+              <a:rPr kumimoji="1" lang="ko-KR" altLang="en-US" sz="1700" dirty="0"/>
+              <a:t>에서 담당한다</a:t>
+            </a:r>
+            <a:r>
+              <a:rPr kumimoji="1" lang="en-US" altLang="ko-KR" sz="1700" dirty="0"/>
+              <a:t>.</a:t>
+            </a:r>
+          </a:p>
+          <a:p>
+            <a:pPr lvl="1"/>
+            <a:r>
+              <a:rPr kumimoji="1" lang="ko-KR" altLang="en-US" sz="1700" dirty="0"/>
+              <a:t>정확히는 </a:t>
+            </a:r>
+            <a:r>
+              <a:rPr kumimoji="1" lang="en-US" altLang="ko-KR" sz="1700" dirty="0"/>
+              <a:t>quit</a:t>
+            </a:r>
+            <a:r>
+              <a:rPr kumimoji="1" lang="ko-KR" altLang="en-US" sz="1700" dirty="0"/>
+              <a:t> 명령어를 통한 종료 직전에 </a:t>
+            </a:r>
+            <a:r>
+              <a:rPr kumimoji="1" lang="en-US" altLang="ko-KR" sz="1700" dirty="0"/>
+              <a:t>Unlink</a:t>
+            </a:r>
+            <a:r>
+              <a:rPr kumimoji="1" lang="ko-KR" altLang="en-US" sz="1700" dirty="0"/>
+              <a:t> 실행</a:t>
+            </a:r>
+            <a:endParaRPr kumimoji="1" lang="en-US" altLang="ko-KR" sz="1700" dirty="0"/>
+          </a:p>
+          <a:p>
+            <a:r>
+              <a:rPr kumimoji="1" lang="en-US" altLang="ko-KR" sz="1800" dirty="0"/>
+              <a:t>Named pipe</a:t>
+            </a:r>
+            <a:r>
+              <a:rPr kumimoji="1" lang="ko-KR" altLang="en-US" sz="1800" dirty="0" err="1"/>
+              <a:t>를</a:t>
+            </a:r>
+            <a:r>
+              <a:rPr kumimoji="1" lang="ko-KR" altLang="en-US" sz="1800" dirty="0"/>
+              <a:t> 통해 받는 값의 길이는 어떻게 아는가</a:t>
+            </a:r>
+            <a:r>
+              <a:rPr kumimoji="1" lang="en-US" altLang="ko-KR" sz="1800" dirty="0"/>
+              <a:t>?</a:t>
+            </a:r>
+          </a:p>
+          <a:p>
+            <a:r>
+              <a:rPr kumimoji="1" lang="en-US" altLang="ko-KR" sz="1800" dirty="0"/>
+              <a:t>A. </a:t>
+            </a:r>
+            <a:r>
+              <a:rPr kumimoji="1" lang="ko-KR" altLang="en-US" sz="1800" dirty="0"/>
+              <a:t>길이를 먼저 </a:t>
+            </a:r>
+            <a:r>
+              <a:rPr kumimoji="1" lang="en-US" altLang="ko-KR" sz="1800" dirty="0"/>
+              <a:t>Write</a:t>
+            </a:r>
+            <a:r>
+              <a:rPr kumimoji="1" lang="ko-KR" altLang="en-US" sz="1800" dirty="0"/>
+              <a:t>하고</a:t>
             </a:r>
             <a:r>
               <a:rPr kumimoji="1" lang="en-US" altLang="ko-KR" sz="1800" dirty="0"/>
@@ -7159,23 +7378,79 @@
             </a:r>
             <a:r>
               <a:rPr kumimoji="1" lang="ko-KR" altLang="en-US" sz="1800" dirty="0"/>
+              <a:t> 그 후에 </a:t>
+            </a:r>
+            <a:r>
+              <a:rPr kumimoji="1" lang="en-US" altLang="ko-KR" sz="1800" dirty="0"/>
+              <a:t>msg</a:t>
+            </a:r>
+            <a:r>
+              <a:rPr kumimoji="1" lang="ko-KR" altLang="en-US" sz="1800" dirty="0" err="1"/>
+              <a:t>를</a:t>
+            </a:r>
+            <a:r>
+              <a:rPr kumimoji="1" lang="ko-KR" altLang="en-US" sz="1800" dirty="0"/>
+              <a:t> 전송하므로</a:t>
+            </a:r>
+            <a:r>
+              <a:rPr kumimoji="1" lang="en-US" altLang="ko-KR" sz="1800" dirty="0"/>
+              <a:t>,</a:t>
+            </a:r>
+            <a:r>
+              <a:rPr kumimoji="1" lang="ko-KR" altLang="en-US" sz="1800" dirty="0"/>
+              <a:t> 수신자 측에서는 </a:t>
+            </a:r>
+            <a:r>
+              <a:rPr kumimoji="1" lang="en-US" altLang="ko-KR" sz="1800" dirty="0"/>
+              <a:t>FIFO</a:t>
+            </a:r>
+            <a:r>
+              <a:rPr kumimoji="1" lang="ko-KR" altLang="en-US" sz="1800" dirty="0"/>
+              <a:t>에 의거하여</a:t>
+            </a:r>
+            <a:r>
+              <a:rPr kumimoji="1" lang="en-US" altLang="ko-KR" sz="1800" dirty="0"/>
+              <a:t>,</a:t>
+            </a:r>
+            <a:r>
+              <a:rPr kumimoji="1" lang="ko-KR" altLang="en-US" sz="1800" dirty="0"/>
+              <a:t> 먼저 </a:t>
+            </a:r>
+            <a:r>
+              <a:rPr kumimoji="1" lang="en-US" altLang="ko-KR" sz="1800" dirty="0"/>
+              <a:t>Read</a:t>
+            </a:r>
+            <a:r>
+              <a:rPr kumimoji="1" lang="ko-KR" altLang="en-US" sz="1800" dirty="0"/>
+              <a:t>하는 것이 길이일 것이고</a:t>
+            </a:r>
+            <a:r>
+              <a:rPr kumimoji="1" lang="en-US" altLang="ko-KR" sz="1800" dirty="0"/>
+              <a:t>,</a:t>
+            </a:r>
+            <a:r>
+              <a:rPr kumimoji="1" lang="ko-KR" altLang="en-US" sz="1800" dirty="0"/>
+              <a:t> 그 길이를 토대로 </a:t>
+            </a:r>
+            <a:r>
+              <a:rPr kumimoji="1" lang="en-US" altLang="ko-KR" sz="1800" dirty="0"/>
+              <a:t>msg</a:t>
+            </a:r>
+            <a:r>
+              <a:rPr kumimoji="1" lang="ko-KR" altLang="en-US" sz="1800" dirty="0" err="1"/>
+              <a:t>를</a:t>
+            </a:r>
+            <a:r>
+              <a:rPr kumimoji="1" lang="ko-KR" altLang="en-US" sz="1800" dirty="0"/>
               <a:t> </a:t>
             </a:r>
             <a:r>
-              <a:rPr kumimoji="1" lang="en-US" altLang="ko-KR" sz="1800" dirty="0" err="1"/>
-              <a:t>alarmServer</a:t>
+              <a:rPr kumimoji="1" lang="en-US" altLang="ko-KR" sz="1800" dirty="0"/>
+              <a:t>Read</a:t>
             </a:r>
             <a:r>
               <a:rPr kumimoji="1" lang="ko-KR" altLang="en-US" sz="1800" dirty="0"/>
-              <a:t>는 </a:t>
-            </a:r>
-            <a:r>
-              <a:rPr kumimoji="1" lang="en-US" altLang="ko-KR" sz="1800" dirty="0" err="1"/>
-              <a:t>clientGet</a:t>
-            </a:r>
-            <a:r>
-              <a:rPr kumimoji="1" lang="ko-KR" altLang="en-US" sz="1800" dirty="0"/>
-              <a:t>에서 생성된다</a:t>
+              <a:t>하면 될 것이다</a:t>
             </a:r>
             <a:r>
               <a:rPr kumimoji="1" lang="en-US" altLang="ko-KR" sz="1800" dirty="0"/>
@@ -7183,268 +7458,10 @@
             </a:r>
           </a:p>
           <a:p>
-            <a:r>
-              <a:rPr kumimoji="1" lang="ko-KR" altLang="en-US" sz="1800" dirty="0"/>
-              <a:t>이유</a:t>
-            </a:r>
-            <a:endParaRPr kumimoji="1" lang="en-US" altLang="ko-KR" sz="1800" dirty="0"/>
+            <a:endParaRPr kumimoji="1" lang="en-US" altLang="ko-KR" sz="2100" dirty="0"/>
           </a:p>
           <a:p>
             <a:pPr lvl="1"/>
-            <a:r>
-              <a:rPr kumimoji="1" lang="en-US" altLang="ko-KR" sz="1700" dirty="0" err="1"/>
-              <a:t>dataPost.cgi</a:t>
-            </a:r>
-            <a:r>
-              <a:rPr kumimoji="1" lang="ko-KR" altLang="en-US" sz="1700" dirty="0"/>
-              <a:t>가 실행되는 그 순간은</a:t>
-            </a:r>
-            <a:r>
-              <a:rPr kumimoji="1" lang="en-US" altLang="ko-KR" sz="1700" dirty="0"/>
-              <a:t>,</a:t>
-            </a:r>
-            <a:r>
-              <a:rPr kumimoji="1" lang="ko-KR" altLang="en-US" sz="1700" dirty="0"/>
-              <a:t> </a:t>
-            </a:r>
-            <a:r>
-              <a:rPr kumimoji="1" lang="en-US" altLang="ko-KR" sz="1700" dirty="0" err="1"/>
-              <a:t>clientPost</a:t>
-            </a:r>
-            <a:r>
-              <a:rPr kumimoji="1" lang="ko-KR" altLang="en-US" sz="1700" dirty="0"/>
-              <a:t>에서 어떠한 정보를 </a:t>
-            </a:r>
-            <a:r>
-              <a:rPr kumimoji="1" lang="en-US" altLang="ko-KR" sz="1700" dirty="0"/>
-              <a:t>server</a:t>
-            </a:r>
-            <a:r>
-              <a:rPr kumimoji="1" lang="ko-KR" altLang="en-US" sz="1700" dirty="0"/>
-              <a:t>로 보낸 상황</a:t>
-            </a:r>
-            <a:endParaRPr kumimoji="1" lang="en-US" altLang="ko-KR" sz="1700" dirty="0"/>
-          </a:p>
-          <a:p>
-            <a:pPr lvl="1"/>
-            <a:r>
-              <a:rPr kumimoji="1" lang="ko-KR" altLang="en-US" sz="1700" dirty="0"/>
-              <a:t>그렇다면</a:t>
-            </a:r>
-            <a:r>
-              <a:rPr kumimoji="1" lang="en-US" altLang="ko-KR" sz="1700" dirty="0"/>
-              <a:t>,</a:t>
-            </a:r>
-            <a:r>
-              <a:rPr kumimoji="1" lang="ko-KR" altLang="en-US" sz="1700" dirty="0"/>
-              <a:t> </a:t>
-            </a:r>
-            <a:r>
-              <a:rPr kumimoji="1" lang="en-US" altLang="ko-KR" sz="1700" dirty="0" err="1"/>
-              <a:t>dataPost.cgi</a:t>
-            </a:r>
-            <a:r>
-              <a:rPr kumimoji="1" lang="ko-KR" altLang="en-US" sz="1700" dirty="0"/>
-              <a:t>에서는 </a:t>
-            </a:r>
-            <a:r>
-              <a:rPr kumimoji="1" lang="en-US" altLang="ko-KR" sz="1700" dirty="0"/>
-              <a:t>2</a:t>
-            </a:r>
-            <a:r>
-              <a:rPr kumimoji="1" lang="ko-KR" altLang="en-US" sz="1700" dirty="0"/>
-              <a:t>가지 일을 한다</a:t>
-            </a:r>
-            <a:r>
-              <a:rPr kumimoji="1" lang="en-US" altLang="ko-KR" sz="1700" dirty="0"/>
-              <a:t>.</a:t>
-            </a:r>
-            <a:r>
-              <a:rPr kumimoji="1" lang="ko-KR" altLang="en-US" sz="1700" dirty="0"/>
-              <a:t> </a:t>
-            </a:r>
-            <a:r>
-              <a:rPr kumimoji="1" lang="en-US" altLang="ko-KR" sz="1700" dirty="0"/>
-              <a:t>DB</a:t>
-            </a:r>
-            <a:r>
-              <a:rPr kumimoji="1" lang="ko-KR" altLang="en-US" sz="1700" dirty="0"/>
-              <a:t>로 정보 전송</a:t>
-            </a:r>
-            <a:r>
-              <a:rPr kumimoji="1" lang="en-US" altLang="ko-KR" sz="1700" dirty="0"/>
-              <a:t>,</a:t>
-            </a:r>
-            <a:r>
-              <a:rPr kumimoji="1" lang="ko-KR" altLang="en-US" sz="1700" dirty="0"/>
-              <a:t> </a:t>
-            </a:r>
-            <a:r>
-              <a:rPr kumimoji="1" lang="en-US" altLang="ko-KR" sz="1700" dirty="0" err="1"/>
-              <a:t>alarmClient</a:t>
-            </a:r>
-            <a:r>
-              <a:rPr kumimoji="1" lang="ko-KR" altLang="en-US" sz="1700" dirty="0"/>
-              <a:t>로 정보 전송</a:t>
-            </a:r>
-            <a:r>
-              <a:rPr kumimoji="1" lang="en-US" altLang="ko-KR" sz="1700" dirty="0"/>
-              <a:t>...</a:t>
-            </a:r>
-          </a:p>
-          <a:p>
-            <a:pPr lvl="1"/>
-            <a:r>
-              <a:rPr kumimoji="1" lang="ko-KR" altLang="en-US" sz="1700" dirty="0"/>
-              <a:t>그러면 </a:t>
-            </a:r>
-            <a:r>
-              <a:rPr kumimoji="1" lang="en-US" altLang="ko-KR" sz="1700" dirty="0" err="1"/>
-              <a:t>alarmClient</a:t>
-            </a:r>
-            <a:r>
-              <a:rPr kumimoji="1" lang="ko-KR" altLang="en-US" sz="1700" dirty="0"/>
-              <a:t>로 전송하기 전에 </a:t>
-            </a:r>
-            <a:r>
-              <a:rPr kumimoji="1" lang="en-US" altLang="ko-KR" sz="1700" dirty="0"/>
-              <a:t>named pipe</a:t>
-            </a:r>
-            <a:r>
-              <a:rPr kumimoji="1" lang="ko-KR" altLang="en-US" sz="1700" dirty="0"/>
-              <a:t>로 정보를 쓸 것이고</a:t>
-            </a:r>
-            <a:r>
-              <a:rPr kumimoji="1" lang="en-US" altLang="ko-KR" sz="1700" dirty="0"/>
-              <a:t>,</a:t>
-            </a:r>
-            <a:r>
-              <a:rPr kumimoji="1" lang="ko-KR" altLang="en-US" sz="1700" dirty="0"/>
-              <a:t> 그 후에 </a:t>
-            </a:r>
-            <a:r>
-              <a:rPr kumimoji="1" lang="en-US" altLang="ko-KR" sz="1700" dirty="0" err="1"/>
-              <a:t>alarmClient</a:t>
-            </a:r>
-            <a:r>
-              <a:rPr kumimoji="1" lang="ko-KR" altLang="en-US" sz="1700" dirty="0" err="1"/>
-              <a:t>를</a:t>
-            </a:r>
-            <a:r>
-              <a:rPr kumimoji="1" lang="ko-KR" altLang="en-US" sz="1700" dirty="0"/>
-              <a:t> 실행하게 되면</a:t>
-            </a:r>
-            <a:r>
-              <a:rPr kumimoji="1" lang="en-US" altLang="ko-KR" sz="1700" dirty="0"/>
-              <a:t>,</a:t>
-            </a:r>
-            <a:r>
-              <a:rPr kumimoji="1" lang="ko-KR" altLang="en-US" sz="1700" dirty="0"/>
-              <a:t> </a:t>
-            </a:r>
-            <a:r>
-              <a:rPr kumimoji="1" lang="en-US" altLang="ko-KR" sz="1700" dirty="0" err="1"/>
-              <a:t>alarmClient</a:t>
-            </a:r>
-            <a:r>
-              <a:rPr kumimoji="1" lang="ko-KR" altLang="en-US" sz="1700" dirty="0"/>
-              <a:t> 측에서 </a:t>
-            </a:r>
-            <a:r>
-              <a:rPr kumimoji="1" lang="en-US" altLang="ko-KR" sz="1700" dirty="0"/>
-              <a:t>named pipe</a:t>
-            </a:r>
-            <a:r>
-              <a:rPr kumimoji="1" lang="ko-KR" altLang="en-US" sz="1700" dirty="0" err="1"/>
-              <a:t>를</a:t>
-            </a:r>
-            <a:r>
-              <a:rPr kumimoji="1" lang="ko-KR" altLang="en-US" sz="1700" dirty="0"/>
-              <a:t> 통해 정보를 읽을 것이다</a:t>
-            </a:r>
-            <a:r>
-              <a:rPr kumimoji="1" lang="en-US" altLang="ko-KR" sz="1700" dirty="0"/>
-              <a:t>.</a:t>
-            </a:r>
-          </a:p>
-          <a:p>
-            <a:pPr lvl="1"/>
-            <a:endParaRPr kumimoji="1" lang="en-US" altLang="ko-KR" sz="1700" dirty="0"/>
-          </a:p>
-          <a:p>
-            <a:pPr lvl="1"/>
-            <a:r>
-              <a:rPr kumimoji="1" lang="en-US" altLang="ko-KR" sz="1700" dirty="0" err="1"/>
-              <a:t>clientGet</a:t>
-            </a:r>
-            <a:r>
-              <a:rPr kumimoji="1" lang="ko-KR" altLang="en-US" sz="1700" dirty="0"/>
-              <a:t>에서 </a:t>
-            </a:r>
-            <a:r>
-              <a:rPr kumimoji="1" lang="en-US" altLang="ko-KR" sz="1700" dirty="0" err="1"/>
-              <a:t>alarmServer</a:t>
-            </a:r>
-            <a:r>
-              <a:rPr kumimoji="1" lang="ko-KR" altLang="en-US" sz="1700" dirty="0"/>
-              <a:t>가 실행되는 이유는</a:t>
-            </a:r>
-            <a:r>
-              <a:rPr kumimoji="1" lang="en-US" altLang="ko-KR" sz="1700" dirty="0"/>
-              <a:t>,</a:t>
-            </a:r>
-            <a:r>
-              <a:rPr kumimoji="1" lang="ko-KR" altLang="en-US" sz="1700" dirty="0"/>
-              <a:t> </a:t>
-            </a:r>
-            <a:r>
-              <a:rPr kumimoji="1" lang="en-US" altLang="ko-KR" sz="1700" dirty="0" err="1"/>
-              <a:t>clientGet</a:t>
-            </a:r>
-            <a:r>
-              <a:rPr kumimoji="1" lang="ko-KR" altLang="en-US" sz="1700" dirty="0"/>
-              <a:t>을 실행하는 터미널 화면을 사용자측 화면이라 가정</a:t>
-            </a:r>
-            <a:r>
-              <a:rPr kumimoji="1" lang="en-US" altLang="ko-KR" sz="1700" dirty="0"/>
-              <a:t>,</a:t>
-            </a:r>
-            <a:r>
-              <a:rPr kumimoji="1" lang="ko-KR" altLang="en-US" sz="1700" dirty="0"/>
-              <a:t> </a:t>
-            </a:r>
-            <a:r>
-              <a:rPr kumimoji="1" lang="en-US" altLang="ko-KR" sz="1700" dirty="0"/>
-              <a:t>alarm</a:t>
-            </a:r>
-            <a:r>
-              <a:rPr kumimoji="1" lang="ko-KR" altLang="en-US" sz="1700" dirty="0"/>
-              <a:t>이 울리면 </a:t>
-            </a:r>
-            <a:r>
-              <a:rPr kumimoji="1" lang="en-US" altLang="ko-KR" sz="1700" dirty="0" err="1"/>
-              <a:t>clientGet</a:t>
-            </a:r>
-            <a:r>
-              <a:rPr kumimoji="1" lang="ko-KR" altLang="en-US" sz="1700" dirty="0"/>
-              <a:t>측 터미널에서 </a:t>
-            </a:r>
-            <a:r>
-              <a:rPr kumimoji="1" lang="en-US" altLang="ko-KR" sz="1700" dirty="0"/>
-              <a:t>Warning message</a:t>
-            </a:r>
-            <a:r>
-              <a:rPr kumimoji="1" lang="ko-KR" altLang="en-US" sz="1700" dirty="0" err="1"/>
-              <a:t>를</a:t>
-            </a:r>
-            <a:r>
-              <a:rPr kumimoji="1" lang="ko-KR" altLang="en-US" sz="1700" dirty="0"/>
-              <a:t> 확인하기 위함</a:t>
-            </a:r>
-            <a:r>
-              <a:rPr kumimoji="1" lang="en-US" altLang="ko-KR" sz="1700" dirty="0"/>
-              <a:t>.</a:t>
-            </a:r>
             <a:endParaRPr kumimoji="1" lang="en-US" altLang="ko-KR" sz="1600" dirty="0"/>
           </a:p>
           <a:p>
@@ -7455,7 +7472,7 @@
     </p:spTree>
     <p:extLst>
       <p:ext uri="{BB962C8B-B14F-4D97-AF65-F5344CB8AC3E}">
-        <p14:creationId xmlns:p14="http://schemas.microsoft.com/office/powerpoint/2010/main" val="1047773546"/>
+        <p14:creationId xmlns:p14="http://schemas.microsoft.com/office/powerpoint/2010/main" val="3876276914"/>
       </p:ext>
     </p:extLst>
   </p:cSld>
@@ -7509,7 +7526,7 @@
             </a:r>
             <a:r>
               <a:rPr kumimoji="1" lang="en-US" altLang="ko-KR" dirty="0"/>
-              <a:t> (3)</a:t>
+              <a:t> (2)</a:t>
             </a:r>
             <a:endParaRPr kumimoji="1" lang="ko-Kore-KR" altLang="en-US" dirty="0"/>
           </a:p>
@@ -7573,16 +7590,24 @@
           <a:lstStyle/>
           <a:p>
             <a:r>
+              <a:rPr kumimoji="1" lang="en-US" altLang="ko-KR" sz="1800" dirty="0" err="1"/>
+              <a:t>alarmClient</a:t>
+            </a:r>
+            <a:r>
+              <a:rPr kumimoji="1" lang="en-US" altLang="ko-KR" sz="1800" dirty="0"/>
+              <a:t>, </a:t>
+            </a:r>
+            <a:r>
+              <a:rPr kumimoji="1" lang="en-US" altLang="ko-KR" sz="1800" dirty="0" err="1"/>
+              <a:t>alarmServer</a:t>
+            </a:r>
+            <a:r>
+              <a:rPr kumimoji="1" lang="ko-KR" altLang="en-US" sz="1800" dirty="0" err="1"/>
+              <a:t>를</a:t>
+            </a:r>
+            <a:r>
               <a:rPr kumimoji="1" lang="ko-KR" altLang="en-US" sz="1800" dirty="0"/>
-              <a:t>더 나은 </a:t>
-            </a:r>
-            <a:r>
-              <a:rPr kumimoji="1" lang="en-US" altLang="ko-KR" sz="1800" dirty="0"/>
-              <a:t>push alarm </a:t>
-            </a:r>
-            <a:r>
-              <a:rPr kumimoji="1" lang="ko-KR" altLang="en-US" sz="1800" dirty="0"/>
-              <a:t>방법</a:t>
+              <a:t> 누가 생성하는가</a:t>
             </a:r>
             <a:r>
               <a:rPr kumimoji="1" lang="en-US" altLang="ko-KR" sz="1800" dirty="0"/>
@@ -7595,8 +7620,20 @@
               <a:t>A. </a:t>
             </a:r>
             <a:r>
+              <a:rPr kumimoji="1" lang="en-US" altLang="ko-KR" sz="1800" dirty="0" err="1"/>
+              <a:t>alarmClient</a:t>
+            </a:r>
+            <a:r>
               <a:rPr kumimoji="1" lang="ko-KR" altLang="en-US" sz="1800" dirty="0"/>
-              <a:t>지금까지 구현을 해본 결과</a:t>
+              <a:t>는 </a:t>
+            </a:r>
+            <a:r>
+              <a:rPr kumimoji="1" lang="en-US" altLang="ko-KR" sz="1800" dirty="0" err="1"/>
+              <a:t>dataPost.cgi</a:t>
+            </a:r>
+            <a:r>
+              <a:rPr kumimoji="1" lang="ko-KR" altLang="en-US" sz="1800" dirty="0"/>
+              <a:t>에서</a:t>
             </a:r>
             <a:r>
               <a:rPr kumimoji="1" lang="en-US" altLang="ko-KR" sz="1800" dirty="0"/>
@@ -7604,43 +7641,303 @@
             </a:r>
             <a:r>
               <a:rPr kumimoji="1" lang="ko-KR" altLang="en-US" sz="1800" dirty="0"/>
-              <a:t> 구조 상의 문제점</a:t>
-            </a:r>
-            <a:r>
-              <a:rPr kumimoji="1" lang="en-US" altLang="ko-KR" sz="1800" dirty="0"/>
-              <a:t>,</a:t>
+              <a:t> </a:t>
+            </a:r>
+            <a:r>
+              <a:rPr kumimoji="1" lang="en-US" altLang="ko-KR" sz="1800" dirty="0" err="1"/>
+              <a:t>alarmServer</a:t>
             </a:r>
             <a:r>
               <a:rPr kumimoji="1" lang="ko-KR" altLang="en-US" sz="1800" dirty="0"/>
-              <a:t> 보완점을 느끼지는 못했다</a:t>
+              <a:t>는 </a:t>
+            </a:r>
+            <a:r>
+              <a:rPr kumimoji="1" lang="en-US" altLang="ko-KR" sz="1800" dirty="0" err="1"/>
+              <a:t>clientGet</a:t>
+            </a:r>
+            <a:r>
+              <a:rPr kumimoji="1" lang="ko-KR" altLang="en-US" sz="1800" dirty="0"/>
+              <a:t>에서 생성된다</a:t>
             </a:r>
             <a:r>
               <a:rPr kumimoji="1" lang="en-US" altLang="ko-KR" sz="1800" dirty="0"/>
               <a:t>.</a:t>
             </a:r>
+          </a:p>
+          <a:p>
             <a:r>
               <a:rPr kumimoji="1" lang="ko-KR" altLang="en-US" sz="1800" dirty="0"/>
-              <a:t> 구조적으로 현재로서도 </a:t>
-            </a:r>
-            <a:r>
-              <a:rPr kumimoji="1" lang="ko-KR" altLang="en-US" sz="1800" dirty="0" err="1"/>
-              <a:t>완성적이라</a:t>
-            </a:r>
-            <a:r>
-              <a:rPr kumimoji="1" lang="ko-KR" altLang="en-US" sz="1800" dirty="0"/>
-              <a:t> 생각된다</a:t>
-            </a:r>
-            <a:r>
-              <a:rPr kumimoji="1" lang="en-US" altLang="ko-KR" sz="1800" dirty="0"/>
+              <a:t>이유</a:t>
+            </a:r>
+            <a:endParaRPr kumimoji="1" lang="en-US" altLang="ko-KR" sz="1800" dirty="0"/>
+          </a:p>
+          <a:p>
+            <a:pPr lvl="1"/>
+            <a:r>
+              <a:rPr kumimoji="1" lang="en-US" altLang="ko-KR" sz="1700" dirty="0" err="1"/>
+              <a:t>dataPost.cgi</a:t>
+            </a:r>
+            <a:r>
+              <a:rPr kumimoji="1" lang="ko-KR" altLang="en-US" sz="1700" dirty="0"/>
+              <a:t>가 실행되는 그 순간은</a:t>
+            </a:r>
+            <a:r>
+              <a:rPr kumimoji="1" lang="en-US" altLang="ko-KR" sz="1700" dirty="0"/>
+              <a:t>,</a:t>
+            </a:r>
+            <a:r>
+              <a:rPr kumimoji="1" lang="ko-KR" altLang="en-US" sz="1700" dirty="0"/>
+              <a:t> </a:t>
+            </a:r>
+            <a:r>
+              <a:rPr kumimoji="1" lang="en-US" altLang="ko-KR" sz="1700" dirty="0" err="1"/>
+              <a:t>clientPost</a:t>
+            </a:r>
+            <a:r>
+              <a:rPr kumimoji="1" lang="ko-KR" altLang="en-US" sz="1700" dirty="0"/>
+              <a:t>에서 어떠한 정보를 </a:t>
+            </a:r>
+            <a:r>
+              <a:rPr kumimoji="1" lang="en-US" altLang="ko-KR" sz="1700" dirty="0"/>
+              <a:t>server</a:t>
+            </a:r>
+            <a:r>
+              <a:rPr kumimoji="1" lang="ko-KR" altLang="en-US" sz="1700" dirty="0"/>
+              <a:t>로 보낸 상황</a:t>
+            </a:r>
+            <a:endParaRPr kumimoji="1" lang="en-US" altLang="ko-KR" sz="1700" dirty="0"/>
+          </a:p>
+          <a:p>
+            <a:pPr lvl="1"/>
+            <a:r>
+              <a:rPr kumimoji="1" lang="ko-KR" altLang="en-US" sz="1700" dirty="0"/>
+              <a:t>그렇다면</a:t>
+            </a:r>
+            <a:r>
+              <a:rPr kumimoji="1" lang="en-US" altLang="ko-KR" sz="1700" dirty="0"/>
+              <a:t>,</a:t>
+            </a:r>
+            <a:r>
+              <a:rPr kumimoji="1" lang="ko-KR" altLang="en-US" sz="1700" dirty="0"/>
+              <a:t> </a:t>
+            </a:r>
+            <a:r>
+              <a:rPr kumimoji="1" lang="en-US" altLang="ko-KR" sz="1700" dirty="0" err="1"/>
+              <a:t>dataPost.cgi</a:t>
+            </a:r>
+            <a:r>
+              <a:rPr kumimoji="1" lang="ko-KR" altLang="en-US" sz="1700" dirty="0"/>
+              <a:t>에서는 </a:t>
+            </a:r>
+            <a:r>
+              <a:rPr kumimoji="1" lang="en-US" altLang="ko-KR" sz="1700" dirty="0"/>
+              <a:t>2</a:t>
+            </a:r>
+            <a:r>
+              <a:rPr kumimoji="1" lang="ko-KR" altLang="en-US" sz="1700" dirty="0"/>
+              <a:t>가지 일을 한다</a:t>
+            </a:r>
+            <a:r>
+              <a:rPr kumimoji="1" lang="en-US" altLang="ko-KR" sz="1700" dirty="0"/>
               <a:t>.</a:t>
             </a:r>
+            <a:r>
+              <a:rPr kumimoji="1" lang="ko-KR" altLang="en-US" sz="1700" dirty="0"/>
+              <a:t> </a:t>
+            </a:r>
+            <a:r>
+              <a:rPr kumimoji="1" lang="en-US" altLang="ko-KR" sz="1700" dirty="0"/>
+              <a:t>DB</a:t>
+            </a:r>
+            <a:r>
+              <a:rPr kumimoji="1" lang="ko-KR" altLang="en-US" sz="1700" dirty="0"/>
+              <a:t>로 정보 전송</a:t>
+            </a:r>
+            <a:r>
+              <a:rPr kumimoji="1" lang="en-US" altLang="ko-KR" sz="1700" dirty="0"/>
+              <a:t>,</a:t>
+            </a:r>
+            <a:r>
+              <a:rPr kumimoji="1" lang="ko-KR" altLang="en-US" sz="1700" dirty="0"/>
+              <a:t> </a:t>
+            </a:r>
+            <a:r>
+              <a:rPr kumimoji="1" lang="en-US" altLang="ko-KR" sz="1700" dirty="0" err="1"/>
+              <a:t>alarmClient</a:t>
+            </a:r>
+            <a:r>
+              <a:rPr kumimoji="1" lang="ko-KR" altLang="en-US" sz="1700" dirty="0"/>
+              <a:t>로 정보 전송</a:t>
+            </a:r>
+            <a:r>
+              <a:rPr kumimoji="1" lang="en-US" altLang="ko-KR" sz="1700" dirty="0"/>
+              <a:t>...</a:t>
+            </a:r>
+          </a:p>
+          <a:p>
+            <a:pPr lvl="1"/>
+            <a:r>
+              <a:rPr kumimoji="1" lang="ko-KR" altLang="en-US" sz="1700" dirty="0"/>
+              <a:t>그러면 </a:t>
+            </a:r>
+            <a:r>
+              <a:rPr kumimoji="1" lang="en-US" altLang="ko-KR" sz="1700" dirty="0" err="1"/>
+              <a:t>alarmClient</a:t>
+            </a:r>
+            <a:r>
+              <a:rPr kumimoji="1" lang="ko-KR" altLang="en-US" sz="1700" dirty="0"/>
+              <a:t>로 전송하기 전에 </a:t>
+            </a:r>
+            <a:r>
+              <a:rPr kumimoji="1" lang="en-US" altLang="ko-KR" sz="1700" dirty="0"/>
+              <a:t>named pipe</a:t>
+            </a:r>
+            <a:r>
+              <a:rPr kumimoji="1" lang="ko-KR" altLang="en-US" sz="1700" dirty="0"/>
+              <a:t>로 정보를 쓸 것이고</a:t>
+            </a:r>
+            <a:r>
+              <a:rPr kumimoji="1" lang="en-US" altLang="ko-KR" sz="1700" dirty="0"/>
+              <a:t>,</a:t>
+            </a:r>
+            <a:r>
+              <a:rPr kumimoji="1" lang="ko-KR" altLang="en-US" sz="1700" dirty="0"/>
+              <a:t> 그 후에 </a:t>
+            </a:r>
+            <a:r>
+              <a:rPr kumimoji="1" lang="en-US" altLang="ko-KR" sz="1700" dirty="0" err="1"/>
+              <a:t>alarmClient</a:t>
+            </a:r>
+            <a:r>
+              <a:rPr kumimoji="1" lang="ko-KR" altLang="en-US" sz="1700" dirty="0" err="1"/>
+              <a:t>를</a:t>
+            </a:r>
+            <a:r>
+              <a:rPr kumimoji="1" lang="ko-KR" altLang="en-US" sz="1700" dirty="0"/>
+              <a:t> 실행하게 되면</a:t>
+            </a:r>
+            <a:r>
+              <a:rPr kumimoji="1" lang="en-US" altLang="ko-KR" sz="1700" dirty="0"/>
+              <a:t>,</a:t>
+            </a:r>
+            <a:r>
+              <a:rPr kumimoji="1" lang="ko-KR" altLang="en-US" sz="1700" dirty="0"/>
+              <a:t> </a:t>
+            </a:r>
+            <a:r>
+              <a:rPr kumimoji="1" lang="en-US" altLang="ko-KR" sz="1700" dirty="0" err="1"/>
+              <a:t>alarmClient</a:t>
+            </a:r>
+            <a:r>
+              <a:rPr kumimoji="1" lang="ko-KR" altLang="en-US" sz="1700" dirty="0"/>
+              <a:t> 측에서 </a:t>
+            </a:r>
+            <a:r>
+              <a:rPr kumimoji="1" lang="en-US" altLang="ko-KR" sz="1700" dirty="0"/>
+              <a:t>named pipe</a:t>
+            </a:r>
+            <a:r>
+              <a:rPr kumimoji="1" lang="ko-KR" altLang="en-US" sz="1700" dirty="0" err="1"/>
+              <a:t>를</a:t>
+            </a:r>
+            <a:r>
+              <a:rPr kumimoji="1" lang="ko-KR" altLang="en-US" sz="1700" dirty="0"/>
+              <a:t> 통해 정보를 읽을 것이다</a:t>
+            </a:r>
+            <a:r>
+              <a:rPr kumimoji="1" lang="en-US" altLang="ko-KR" sz="1700" dirty="0"/>
+              <a:t>.</a:t>
+            </a:r>
+          </a:p>
+          <a:p>
+            <a:pPr lvl="1"/>
+            <a:endParaRPr kumimoji="1" lang="en-US" altLang="ko-KR" sz="1700" dirty="0"/>
+          </a:p>
+          <a:p>
+            <a:pPr lvl="1"/>
+            <a:r>
+              <a:rPr kumimoji="1" lang="en-US" altLang="ko-KR" sz="1700" dirty="0" err="1"/>
+              <a:t>clientGet</a:t>
+            </a:r>
+            <a:r>
+              <a:rPr kumimoji="1" lang="ko-KR" altLang="en-US" sz="1700" dirty="0"/>
+              <a:t>에서 </a:t>
+            </a:r>
+            <a:r>
+              <a:rPr kumimoji="1" lang="en-US" altLang="ko-KR" sz="1700" dirty="0" err="1"/>
+              <a:t>alarmServer</a:t>
+            </a:r>
+            <a:r>
+              <a:rPr kumimoji="1" lang="ko-KR" altLang="en-US" sz="1700" dirty="0"/>
+              <a:t>가 실행되는 이유는</a:t>
+            </a:r>
+            <a:r>
+              <a:rPr kumimoji="1" lang="en-US" altLang="ko-KR" sz="1700" dirty="0"/>
+              <a:t>,</a:t>
+            </a:r>
+            <a:r>
+              <a:rPr kumimoji="1" lang="ko-KR" altLang="en-US" sz="1700" dirty="0"/>
+              <a:t> </a:t>
+            </a:r>
+            <a:r>
+              <a:rPr kumimoji="1" lang="en-US" altLang="ko-KR" sz="1700" dirty="0" err="1"/>
+              <a:t>clientGet</a:t>
+            </a:r>
+            <a:r>
+              <a:rPr kumimoji="1" lang="ko-KR" altLang="en-US" sz="1700" dirty="0"/>
+              <a:t>을 실행하는 터미널 화면을 사용자측 화면이라 가정</a:t>
+            </a:r>
+            <a:r>
+              <a:rPr kumimoji="1" lang="en-US" altLang="ko-KR" sz="1700" dirty="0"/>
+              <a:t>,</a:t>
+            </a:r>
+            <a:r>
+              <a:rPr kumimoji="1" lang="ko-KR" altLang="en-US" sz="1700" dirty="0"/>
+              <a:t> </a:t>
+            </a:r>
+            <a:r>
+              <a:rPr kumimoji="1" lang="en-US" altLang="ko-KR" sz="1700" dirty="0"/>
+              <a:t>alarm</a:t>
+            </a:r>
+            <a:r>
+              <a:rPr kumimoji="1" lang="ko-KR" altLang="en-US" sz="1700" dirty="0"/>
+              <a:t>이 울리면 </a:t>
+            </a:r>
+            <a:r>
+              <a:rPr kumimoji="1" lang="en-US" altLang="ko-KR" sz="1700" dirty="0" err="1"/>
+              <a:t>clientGet</a:t>
+            </a:r>
+            <a:r>
+              <a:rPr kumimoji="1" lang="ko-KR" altLang="en-US" sz="1700" dirty="0"/>
+              <a:t>측 터미널에서 </a:t>
+            </a:r>
+            <a:r>
+              <a:rPr kumimoji="1" lang="en-US" altLang="ko-KR" sz="1700" dirty="0"/>
+              <a:t>Warning message</a:t>
+            </a:r>
+            <a:r>
+              <a:rPr kumimoji="1" lang="ko-KR" altLang="en-US" sz="1700" dirty="0" err="1"/>
+              <a:t>를</a:t>
+            </a:r>
+            <a:r>
+              <a:rPr kumimoji="1" lang="ko-KR" altLang="en-US" sz="1700" dirty="0"/>
+              <a:t> 확인하기 위함</a:t>
+            </a:r>
+            <a:r>
+              <a:rPr kumimoji="1" lang="en-US" altLang="ko-KR" sz="1700" dirty="0"/>
+              <a:t>.</a:t>
+            </a:r>
+            <a:endParaRPr kumimoji="1" lang="en-US" altLang="ko-KR" sz="1600" dirty="0"/>
+          </a:p>
+          <a:p>
+            <a:endParaRPr kumimoji="1" lang="en-US" altLang="ko-KR" sz="1100" dirty="0"/>
           </a:p>
         </p:txBody>
       </p:sp>
     </p:spTree>
     <p:extLst>
       <p:ext uri="{BB962C8B-B14F-4D97-AF65-F5344CB8AC3E}">
-        <p14:creationId xmlns:p14="http://schemas.microsoft.com/office/powerpoint/2010/main" val="3438843840"/>
+        <p14:creationId xmlns:p14="http://schemas.microsoft.com/office/powerpoint/2010/main" val="1047773546"/>
       </p:ext>
     </p:extLst>
   </p:cSld>
@@ -7898,6 +8195,191 @@
             </a:r>
             <a:r>
               <a:rPr kumimoji="1" lang="en-US" altLang="ko-KR" dirty="0"/>
+              <a:t> (3)</a:t>
+            </a:r>
+            <a:endParaRPr kumimoji="1" lang="ko-Kore-KR" altLang="en-US" dirty="0"/>
+          </a:p>
+        </p:txBody>
+      </p:sp>
+      <p:sp>
+        <p:nvSpPr>
+          <p:cNvPr id="4" name="슬라이드 번호 개체 틀 3">
+            <a:extLst>
+              <a:ext uri="{FF2B5EF4-FFF2-40B4-BE49-F238E27FC236}">
+                <a16:creationId xmlns:a16="http://schemas.microsoft.com/office/drawing/2014/main" id="{1539EA97-22A5-2D4C-9BD1-A3A9B30F08B2}"/>
+              </a:ext>
+            </a:extLst>
+          </p:cNvPr>
+          <p:cNvSpPr>
+            <a:spLocks noGrp="1"/>
+          </p:cNvSpPr>
+          <p:nvPr>
+            <p:ph type="sldNum" sz="quarter" idx="12"/>
+          </p:nvPr>
+        </p:nvSpPr>
+        <p:spPr/>
+        <p:txBody>
+          <a:bodyPr/>
+          <a:lstStyle/>
+          <a:p>
+            <a:fld id="{305FC841-63F1-7A4A-814A-731E62CE6D51}" type="slidenum">
+              <a:rPr kumimoji="1" lang="ko-Kore-KR" altLang="en-US" smtClean="0"/>
+              <a:t>20</a:t>
+            </a:fld>
+            <a:endParaRPr kumimoji="1" lang="ko-Kore-KR" altLang="en-US"/>
+          </a:p>
+        </p:txBody>
+      </p:sp>
+      <p:sp>
+        <p:nvSpPr>
+          <p:cNvPr id="13" name="내용 개체 틀 2">
+            <a:extLst>
+              <a:ext uri="{FF2B5EF4-FFF2-40B4-BE49-F238E27FC236}">
+                <a16:creationId xmlns:a16="http://schemas.microsoft.com/office/drawing/2014/main" id="{AD2D2B62-72DB-8A4D-8FE9-86D169D8E3A0}"/>
+              </a:ext>
+            </a:extLst>
+          </p:cNvPr>
+          <p:cNvSpPr>
+            <a:spLocks noGrp="1"/>
+          </p:cNvSpPr>
+          <p:nvPr>
+            <p:ph idx="1"/>
+          </p:nvPr>
+        </p:nvSpPr>
+        <p:spPr>
+          <a:xfrm>
+            <a:off x="838200" y="1825624"/>
+            <a:ext cx="9052932" cy="4895851"/>
+          </a:xfrm>
+        </p:spPr>
+        <p:txBody>
+          <a:bodyPr>
+            <a:normAutofit/>
+          </a:bodyPr>
+          <a:lstStyle/>
+          <a:p>
+            <a:r>
+              <a:rPr kumimoji="1" lang="ko-KR" altLang="en-US" sz="1800" dirty="0"/>
+              <a:t>더 나은 </a:t>
+            </a:r>
+            <a:r>
+              <a:rPr kumimoji="1" lang="en-US" altLang="ko-KR" sz="1800" dirty="0"/>
+              <a:t>push alarm </a:t>
+            </a:r>
+            <a:r>
+              <a:rPr kumimoji="1" lang="ko-KR" altLang="en-US" sz="1800" dirty="0"/>
+              <a:t>방법</a:t>
+            </a:r>
+            <a:r>
+              <a:rPr kumimoji="1" lang="en-US" altLang="ko-KR" sz="1800" dirty="0"/>
+              <a:t>?</a:t>
+            </a:r>
+          </a:p>
+          <a:p>
+            <a:r>
+              <a:rPr kumimoji="1" lang="en-US" altLang="ko-KR" sz="1800" dirty="0"/>
+              <a:t>A. </a:t>
+            </a:r>
+            <a:r>
+              <a:rPr kumimoji="1" lang="ko-KR" altLang="en-US" sz="1800" dirty="0"/>
+              <a:t>지금까지 구현을 해본 결과</a:t>
+            </a:r>
+            <a:r>
+              <a:rPr kumimoji="1" lang="en-US" altLang="ko-KR" sz="1800" dirty="0"/>
+              <a:t>,</a:t>
+            </a:r>
+            <a:r>
+              <a:rPr kumimoji="1" lang="ko-KR" altLang="en-US" sz="1800" dirty="0"/>
+              <a:t> 구조 상의 문제점</a:t>
+            </a:r>
+            <a:r>
+              <a:rPr kumimoji="1" lang="en-US" altLang="ko-KR" sz="1800" dirty="0"/>
+              <a:t>,</a:t>
+            </a:r>
+            <a:r>
+              <a:rPr kumimoji="1" lang="ko-KR" altLang="en-US" sz="1800" dirty="0"/>
+              <a:t> 보완점을 느끼지는 못했다</a:t>
+            </a:r>
+            <a:r>
+              <a:rPr kumimoji="1" lang="en-US" altLang="ko-KR" sz="1800" dirty="0"/>
+              <a:t>.</a:t>
+            </a:r>
+            <a:r>
+              <a:rPr kumimoji="1" lang="ko-KR" altLang="en-US" sz="1800" dirty="0"/>
+              <a:t> 구조적으로 현재로서도 </a:t>
+            </a:r>
+            <a:r>
+              <a:rPr kumimoji="1" lang="ko-KR" altLang="en-US" sz="1800" dirty="0" err="1"/>
+              <a:t>완성적이라</a:t>
+            </a:r>
+            <a:r>
+              <a:rPr kumimoji="1" lang="ko-KR" altLang="en-US" sz="1800" dirty="0"/>
+              <a:t> 생각된다</a:t>
+            </a:r>
+            <a:r>
+              <a:rPr kumimoji="1" lang="en-US" altLang="ko-KR" sz="1800" dirty="0"/>
+              <a:t>.</a:t>
+            </a:r>
+          </a:p>
+        </p:txBody>
+      </p:sp>
+    </p:spTree>
+    <p:extLst>
+      <p:ext uri="{BB962C8B-B14F-4D97-AF65-F5344CB8AC3E}">
+        <p14:creationId xmlns:p14="http://schemas.microsoft.com/office/powerpoint/2010/main" val="3438843840"/>
+      </p:ext>
+    </p:extLst>
+  </p:cSld>
+  <p:clrMapOvr>
+    <a:masterClrMapping/>
+  </p:clrMapOvr>
+</p:sld>
+</file>
+
+<file path=ppt/slides/slide21.xml><?xml version="1.0" encoding="utf-8"?>
+<p:sld xmlns:a="http://schemas.openxmlformats.org/drawingml/2006/main" xmlns:r="http://schemas.openxmlformats.org/officeDocument/2006/relationships" xmlns:p="http://schemas.openxmlformats.org/presentationml/2006/main">
+  <p:cSld>
+    <p:spTree>
+      <p:nvGrpSpPr>
+        <p:cNvPr id="1" name=""/>
+        <p:cNvGrpSpPr/>
+        <p:nvPr/>
+      </p:nvGrpSpPr>
+      <p:grpSpPr>
+        <a:xfrm>
+          <a:off x="0" y="0"/>
+          <a:ext cx="0" cy="0"/>
+          <a:chOff x="0" y="0"/>
+          <a:chExt cx="0" cy="0"/>
+        </a:xfrm>
+      </p:grpSpPr>
+      <p:sp>
+        <p:nvSpPr>
+          <p:cNvPr id="2" name="제목 1">
+            <a:extLst>
+              <a:ext uri="{FF2B5EF4-FFF2-40B4-BE49-F238E27FC236}">
+                <a16:creationId xmlns:a16="http://schemas.microsoft.com/office/drawing/2014/main" id="{36294463-6D6E-8E41-B996-AFD060171031}"/>
+              </a:ext>
+            </a:extLst>
+          </p:cNvPr>
+          <p:cNvSpPr>
+            <a:spLocks noGrp="1"/>
+          </p:cNvSpPr>
+          <p:nvPr>
+            <p:ph type="title"/>
+          </p:nvPr>
+        </p:nvSpPr>
+        <p:spPr/>
+        <p:txBody>
+          <a:bodyPr/>
+          <a:lstStyle/>
+          <a:p>
+            <a:r>
+              <a:rPr kumimoji="1" lang="en-US" altLang="ko-KR" dirty="0" err="1"/>
+              <a:t>CheckPoint</a:t>
+            </a:r>
+            <a:r>
+              <a:rPr kumimoji="1" lang="en-US" altLang="ko-KR" dirty="0"/>
               <a:t>(4)</a:t>
             </a:r>
             <a:endParaRPr kumimoji="1" lang="ko-Kore-KR" altLang="en-US" dirty="0"/>
@@ -8112,7 +8594,7 @@
           <a:p>
             <a:fld id="{305FC841-63F1-7A4A-814A-731E62CE6D51}" type="slidenum">
               <a:rPr kumimoji="1" lang="ko-Kore-KR" altLang="en-US" smtClean="0"/>
-              <a:t>20</a:t>
+              <a:t>21</a:t>
             </a:fld>
             <a:endParaRPr kumimoji="1" lang="ko-Kore-KR" altLang="en-US"/>
           </a:p>
@@ -8161,7 +8643,7 @@
 </p:sld>
 </file>
 
-<file path=ppt/slides/slide21.xml><?xml version="1.0" encoding="utf-8"?>
+<file path=ppt/slides/slide22.xml><?xml version="1.0" encoding="utf-8"?>
 <p:sld xmlns:a="http://schemas.openxmlformats.org/drawingml/2006/main" xmlns:r="http://schemas.openxmlformats.org/officeDocument/2006/relationships" xmlns:p="http://schemas.openxmlformats.org/presentationml/2006/main">
   <p:cSld>
     <p:spTree>
@@ -8499,7 +8981,7 @@
           <a:p>
             <a:fld id="{305FC841-63F1-7A4A-814A-731E62CE6D51}" type="slidenum">
               <a:rPr kumimoji="1" lang="ko-Kore-KR" altLang="en-US" smtClean="0"/>
-              <a:t>21</a:t>
+              <a:t>22</a:t>
             </a:fld>
             <a:endParaRPr kumimoji="1" lang="ko-Kore-KR" altLang="en-US"/>
           </a:p>
@@ -8548,260 +9030,6 @@
 </p:sld>
 </file>
 
-<file path=ppt/slides/slide22.xml><?xml version="1.0" encoding="utf-8"?>
-<p:sld xmlns:a="http://schemas.openxmlformats.org/drawingml/2006/main" xmlns:r="http://schemas.openxmlformats.org/officeDocument/2006/relationships" xmlns:p="http://schemas.openxmlformats.org/presentationml/2006/main">
-  <p:cSld>
-    <p:spTree>
-      <p:nvGrpSpPr>
-        <p:cNvPr id="1" name=""/>
-        <p:cNvGrpSpPr/>
-        <p:nvPr/>
-      </p:nvGrpSpPr>
-      <p:grpSpPr>
-        <a:xfrm>
-          <a:off x="0" y="0"/>
-          <a:ext cx="0" cy="0"/>
-          <a:chOff x="0" y="0"/>
-          <a:chExt cx="0" cy="0"/>
-        </a:xfrm>
-      </p:grpSpPr>
-      <p:sp>
-        <p:nvSpPr>
-          <p:cNvPr id="2" name="제목 1">
-            <a:extLst>
-              <a:ext uri="{FF2B5EF4-FFF2-40B4-BE49-F238E27FC236}">
-                <a16:creationId xmlns:a16="http://schemas.microsoft.com/office/drawing/2014/main" id="{36294463-6D6E-8E41-B996-AFD060171031}"/>
-              </a:ext>
-            </a:extLst>
-          </p:cNvPr>
-          <p:cNvSpPr>
-            <a:spLocks noGrp="1"/>
-          </p:cNvSpPr>
-          <p:nvPr>
-            <p:ph type="title"/>
-          </p:nvPr>
-        </p:nvSpPr>
-        <p:spPr/>
-        <p:txBody>
-          <a:bodyPr/>
-          <a:lstStyle/>
-          <a:p>
-            <a:r>
-              <a:rPr kumimoji="1" lang="ko-Kore-KR" altLang="en-US" dirty="0"/>
-              <a:t>결론</a:t>
-            </a:r>
-          </a:p>
-        </p:txBody>
-      </p:sp>
-      <p:sp>
-        <p:nvSpPr>
-          <p:cNvPr id="3" name="내용 개체 틀 2">
-            <a:extLst>
-              <a:ext uri="{FF2B5EF4-FFF2-40B4-BE49-F238E27FC236}">
-                <a16:creationId xmlns:a16="http://schemas.microsoft.com/office/drawing/2014/main" id="{281FFAAE-AB28-1743-99BC-C4C35BFFCE5B}"/>
-              </a:ext>
-            </a:extLst>
-          </p:cNvPr>
-          <p:cNvSpPr>
-            <a:spLocks noGrp="1"/>
-          </p:cNvSpPr>
-          <p:nvPr>
-            <p:ph idx="1"/>
-          </p:nvPr>
-        </p:nvSpPr>
-        <p:spPr/>
-        <p:txBody>
-          <a:bodyPr>
-            <a:normAutofit/>
-          </a:bodyPr>
-          <a:lstStyle/>
-          <a:p>
-            <a:r>
-              <a:rPr kumimoji="1" lang="ko-KR" altLang="en-US" dirty="0"/>
-              <a:t>이번 </a:t>
-            </a:r>
-            <a:r>
-              <a:rPr kumimoji="1" lang="en-US" altLang="ko-KR" dirty="0"/>
-              <a:t>5</a:t>
-            </a:r>
-            <a:r>
-              <a:rPr kumimoji="1" lang="ko-KR" altLang="en-US" dirty="0"/>
-              <a:t>단계 과제를 통해 우리는</a:t>
-            </a:r>
-            <a:r>
-              <a:rPr kumimoji="1" lang="en-US" altLang="ko-KR" dirty="0"/>
-              <a:t>…</a:t>
-            </a:r>
-          </a:p>
-          <a:p>
-            <a:pPr lvl="1"/>
-            <a:r>
-              <a:rPr kumimoji="1" lang="en-US" altLang="ko-KR" dirty="0"/>
-              <a:t>push alarm </a:t>
-            </a:r>
-            <a:r>
-              <a:rPr kumimoji="1" lang="ko-KR" altLang="en-US" dirty="0"/>
-              <a:t>기능</a:t>
-            </a:r>
-            <a:endParaRPr kumimoji="1" lang="en-US" altLang="ko-KR" dirty="0"/>
-          </a:p>
-          <a:p>
-            <a:pPr marL="0" indent="0">
-              <a:buNone/>
-            </a:pPr>
-            <a:r>
-              <a:rPr kumimoji="1" lang="ko-KR" altLang="en-US" dirty="0"/>
-              <a:t>을 구현해보았다</a:t>
-            </a:r>
-            <a:r>
-              <a:rPr kumimoji="1" lang="en-US" altLang="ko-KR" dirty="0"/>
-              <a:t>.</a:t>
-            </a:r>
-          </a:p>
-          <a:p>
-            <a:r>
-              <a:rPr kumimoji="1" lang="ko-KR" altLang="en-US" dirty="0"/>
-              <a:t>원래 있는 프로그램 구조에서 </a:t>
-            </a:r>
-            <a:r>
-              <a:rPr kumimoji="1" lang="en-US" altLang="ko-KR" dirty="0" err="1"/>
-              <a:t>alarmClient</a:t>
-            </a:r>
-            <a:r>
-              <a:rPr kumimoji="1" lang="en-US" altLang="ko-KR" dirty="0"/>
-              <a:t>, </a:t>
-            </a:r>
-            <a:r>
-              <a:rPr kumimoji="1" lang="en-US" altLang="ko-KR" dirty="0" err="1"/>
-              <a:t>alarmServer</a:t>
-            </a:r>
-            <a:r>
-              <a:rPr kumimoji="1" lang="en-US" altLang="ko-KR" dirty="0"/>
-              <a:t>, </a:t>
-            </a:r>
-            <a:r>
-              <a:rPr kumimoji="1" lang="en-US" altLang="ko-KR" dirty="0" err="1"/>
-              <a:t>alarm.cgi</a:t>
-            </a:r>
-            <a:r>
-              <a:rPr kumimoji="1" lang="ko-KR" altLang="en-US" dirty="0" err="1"/>
-              <a:t>를</a:t>
-            </a:r>
-            <a:r>
-              <a:rPr kumimoji="1" lang="ko-KR" altLang="en-US" dirty="0"/>
-              <a:t> 탑재하면서 </a:t>
-            </a:r>
-            <a:r>
-              <a:rPr kumimoji="1" lang="en-US" altLang="ko-KR" dirty="0"/>
-              <a:t>alarm</a:t>
-            </a:r>
-            <a:r>
-              <a:rPr kumimoji="1" lang="ko-KR" altLang="en-US" dirty="0"/>
-              <a:t> 기능이 구현된 프로그램으로 발전할 수 있었다</a:t>
-            </a:r>
-            <a:r>
-              <a:rPr kumimoji="1" lang="en-US" altLang="ko-KR" dirty="0"/>
-              <a:t>.</a:t>
-            </a:r>
-          </a:p>
-          <a:p>
-            <a:r>
-              <a:rPr kumimoji="1" lang="ko-KR" altLang="en-US" dirty="0"/>
-              <a:t>이후 </a:t>
-            </a:r>
-            <a:r>
-              <a:rPr kumimoji="1" lang="en-US" altLang="ko-KR" dirty="0"/>
-              <a:t>6</a:t>
-            </a:r>
-            <a:r>
-              <a:rPr kumimoji="1" lang="ko-KR" altLang="en-US" dirty="0"/>
-              <a:t>단계에서 </a:t>
-            </a:r>
-            <a:r>
-              <a:rPr kumimoji="1" lang="ko-KR" altLang="en-US" dirty="0" err="1"/>
-              <a:t>라즈베리파이</a:t>
-            </a:r>
-            <a:r>
-              <a:rPr kumimoji="1" lang="ko-KR" altLang="en-US" dirty="0"/>
-              <a:t> </a:t>
-            </a:r>
-            <a:r>
-              <a:rPr kumimoji="1" lang="ko-KR" altLang="en-US" dirty="0" err="1"/>
-              <a:t>온습도</a:t>
-            </a:r>
-            <a:r>
-              <a:rPr kumimoji="1" lang="ko-KR" altLang="en-US" dirty="0"/>
-              <a:t> 센서를 통해 전송된 값을 </a:t>
-            </a:r>
-            <a:r>
-              <a:rPr kumimoji="1" lang="ko-KR" altLang="en-US" dirty="0" err="1"/>
-              <a:t>임계값</a:t>
-            </a:r>
-            <a:r>
-              <a:rPr kumimoji="1" lang="ko-KR" altLang="en-US" dirty="0"/>
-              <a:t> 기준으로 </a:t>
-            </a:r>
-            <a:r>
-              <a:rPr kumimoji="1" lang="en-US" altLang="ko-KR" dirty="0"/>
-              <a:t>alarm </a:t>
-            </a:r>
-            <a:r>
-              <a:rPr kumimoji="1" lang="ko-KR" altLang="en-US" dirty="0"/>
-              <a:t>전송 유무를 파악할 수 있는 토대를 마련하였다</a:t>
-            </a:r>
-            <a:r>
-              <a:rPr kumimoji="1" lang="en-US" altLang="ko-KR" dirty="0"/>
-              <a:t>.</a:t>
-            </a:r>
-          </a:p>
-          <a:p>
-            <a:pPr lvl="1"/>
-            <a:endParaRPr kumimoji="1" lang="ko-Kore-KR" altLang="en-US" dirty="0"/>
-          </a:p>
-        </p:txBody>
-      </p:sp>
-      <p:sp>
-        <p:nvSpPr>
-          <p:cNvPr id="4" name="슬라이드 번호 개체 틀 3">
-            <a:extLst>
-              <a:ext uri="{FF2B5EF4-FFF2-40B4-BE49-F238E27FC236}">
-                <a16:creationId xmlns:a16="http://schemas.microsoft.com/office/drawing/2014/main" id="{1539EA97-22A5-2D4C-9BD1-A3A9B30F08B2}"/>
-              </a:ext>
-            </a:extLst>
-          </p:cNvPr>
-          <p:cNvSpPr>
-            <a:spLocks noGrp="1"/>
-          </p:cNvSpPr>
-          <p:nvPr>
-            <p:ph type="sldNum" sz="quarter" idx="12"/>
-          </p:nvPr>
-        </p:nvSpPr>
-        <p:spPr/>
-        <p:txBody>
-          <a:bodyPr/>
-          <a:lstStyle/>
-          <a:p>
-            <a:fld id="{305FC841-63F1-7A4A-814A-731E62CE6D51}" type="slidenum">
-              <a:rPr kumimoji="1" lang="ko-Kore-KR" altLang="en-US" smtClean="0"/>
-              <a:t>22</a:t>
-            </a:fld>
-            <a:endParaRPr kumimoji="1" lang="ko-Kore-KR" altLang="en-US"/>
-          </a:p>
-        </p:txBody>
-      </p:sp>
-    </p:spTree>
-    <p:extLst>
-      <p:ext uri="{BB962C8B-B14F-4D97-AF65-F5344CB8AC3E}">
-        <p14:creationId xmlns:p14="http://schemas.microsoft.com/office/powerpoint/2010/main" val="1160985951"/>
-      </p:ext>
-    </p:extLst>
-  </p:cSld>
-  <p:clrMapOvr>
-    <a:masterClrMapping/>
-  </p:clrMapOvr>
-</p:sld>
-</file>
-
 <file path=ppt/slides/slide23.xml><?xml version="1.0" encoding="utf-8"?>
 <p:sld xmlns:a="http://schemas.openxmlformats.org/drawingml/2006/main" xmlns:r="http://schemas.openxmlformats.org/officeDocument/2006/relationships" xmlns:p="http://schemas.openxmlformats.org/presentationml/2006/main">
   <p:cSld>
@@ -8842,7 +9070,7 @@
           <a:p>
             <a:r>
               <a:rPr kumimoji="1" lang="ko-Kore-KR" altLang="en-US" dirty="0"/>
-              <a:t>참고문헌</a:t>
+              <a:t>결론</a:t>
             </a:r>
           </a:p>
         </p:txBody>
@@ -8872,88 +9100,144 @@
           <a:p>
             <a:r>
               <a:rPr kumimoji="1" lang="ko-KR" altLang="en-US" dirty="0"/>
-              <a:t>교수님 자료</a:t>
+              <a:t>이번 </a:t>
+            </a:r>
+            <a:r>
+              <a:rPr kumimoji="1" lang="en-US" altLang="ko-KR" dirty="0"/>
+              <a:t>5</a:t>
+            </a:r>
+            <a:r>
+              <a:rPr kumimoji="1" lang="ko-KR" altLang="en-US" dirty="0"/>
+              <a:t>단계 과제를 통해 우리는</a:t>
+            </a:r>
+            <a:r>
+              <a:rPr kumimoji="1" lang="en-US" altLang="ko-KR" dirty="0"/>
+              <a:t>…</a:t>
+            </a:r>
+          </a:p>
+          <a:p>
+            <a:pPr lvl="1"/>
+            <a:r>
+              <a:rPr kumimoji="1" lang="en-US" altLang="ko-KR" dirty="0"/>
+              <a:t>push alarm </a:t>
+            </a:r>
+            <a:r>
+              <a:rPr kumimoji="1" lang="ko-KR" altLang="en-US" dirty="0"/>
+              <a:t>기능</a:t>
             </a:r>
             <a:endParaRPr kumimoji="1" lang="en-US" altLang="ko-KR" dirty="0"/>
           </a:p>
           <a:p>
-            <a:pPr lvl="1"/>
+            <a:pPr marL="0" indent="0">
+              <a:buNone/>
+            </a:pPr>
+            <a:r>
+              <a:rPr kumimoji="1" lang="ko-KR" altLang="en-US" dirty="0"/>
+              <a:t>을 구현해보았다</a:t>
+            </a:r>
             <a:r>
               <a:rPr kumimoji="1" lang="en-US" altLang="ko-KR" dirty="0"/>
-              <a:t>00osp00.pdf</a:t>
-            </a:r>
-          </a:p>
-          <a:p>
-            <a:pPr lvl="1"/>
+              <a:t>.</a:t>
+            </a:r>
+          </a:p>
+          <a:p>
+            <a:r>
+              <a:rPr kumimoji="1" lang="ko-KR" altLang="en-US" dirty="0"/>
+              <a:t>원래 있는 프로그램 구조에서 </a:t>
+            </a:r>
+            <a:r>
+              <a:rPr kumimoji="1" lang="en-US" altLang="ko-KR" dirty="0" err="1"/>
+              <a:t>alarmClient</a:t>
+            </a:r>
+            <a:r>
+              <a:rPr kumimoji="1" lang="en-US" altLang="ko-KR" dirty="0"/>
+              <a:t>, </a:t>
+            </a:r>
+            <a:r>
+              <a:rPr kumimoji="1" lang="en-US" altLang="ko-KR" dirty="0" err="1"/>
+              <a:t>alarmServer</a:t>
+            </a:r>
+            <a:r>
+              <a:rPr kumimoji="1" lang="en-US" altLang="ko-KR" dirty="0"/>
+              <a:t>, </a:t>
+            </a:r>
+            <a:r>
+              <a:rPr kumimoji="1" lang="en-US" altLang="ko-KR" dirty="0" err="1"/>
+              <a:t>alarm.cgi</a:t>
+            </a:r>
             <a:r>
               <a:rPr kumimoji="1" lang="ko-KR" altLang="en-US" dirty="0" err="1"/>
-              <a:t>과제명세서</a:t>
+              <a:t>를</a:t>
+            </a:r>
+            <a:r>
+              <a:rPr kumimoji="1" lang="ko-KR" altLang="en-US" dirty="0"/>
+              <a:t> 탑재하면서 </a:t>
             </a:r>
             <a:r>
               <a:rPr kumimoji="1" lang="en-US" altLang="ko-KR" dirty="0"/>
-              <a:t>.pdf</a:t>
-            </a:r>
-          </a:p>
-          <a:p>
-            <a:pPr lvl="1"/>
+              <a:t>alarm</a:t>
+            </a:r>
+            <a:r>
+              <a:rPr kumimoji="1" lang="ko-KR" altLang="en-US" dirty="0"/>
+              <a:t> 기능이 구현된 프로그램으로 발전할 수 있었다</a:t>
+            </a:r>
             <a:r>
               <a:rPr kumimoji="1" lang="en-US" altLang="ko-KR" dirty="0"/>
-              <a:t>05osp.pdf</a:t>
-            </a:r>
-          </a:p>
-          <a:p>
-            <a:r>
-              <a:rPr kumimoji="1" lang="en" altLang="ko-Kore-KR" dirty="0"/>
-              <a:t>named pipe </a:t>
-            </a:r>
+              <a:t>.</a:t>
+            </a:r>
+          </a:p>
+          <a:p>
             <a:r>
               <a:rPr kumimoji="1" lang="ko-KR" altLang="en-US" dirty="0"/>
-              <a:t>사용법</a:t>
+              <a:t>이후 </a:t>
             </a:r>
             <a:r>
               <a:rPr kumimoji="1" lang="en-US" altLang="ko-KR" dirty="0"/>
-              <a:t>,</a:t>
+              <a:t>6</a:t>
+            </a:r>
+            <a:r>
+              <a:rPr kumimoji="1" lang="ko-KR" altLang="en-US" dirty="0"/>
+              <a:t>단계에서 </a:t>
+            </a:r>
+            <a:r>
+              <a:rPr kumimoji="1" lang="ko-KR" altLang="en-US" dirty="0" err="1"/>
+              <a:t>라즈베리파이</a:t>
             </a:r>
             <a:r>
               <a:rPr kumimoji="1" lang="ko-KR" altLang="en-US" dirty="0"/>
               <a:t> </a:t>
             </a:r>
             <a:r>
-              <a:rPr kumimoji="1" lang="en" altLang="ko-Kore-KR" dirty="0"/>
-              <a:t>https://</a:t>
-            </a:r>
-            <a:r>
-              <a:rPr kumimoji="1" lang="en" altLang="ko-Kore-KR" dirty="0" err="1"/>
-              <a:t>unabated.tistory.com</a:t>
-            </a:r>
-            <a:r>
-              <a:rPr kumimoji="1" lang="en" altLang="ko-Kore-KR" dirty="0"/>
-              <a:t>/entry/IPC-</a:t>
+              <a:rPr kumimoji="1" lang="ko-KR" altLang="en-US" dirty="0" err="1"/>
+              <a:t>온습도</a:t>
             </a:r>
             <a:r>
               <a:rPr kumimoji="1" lang="ko-KR" altLang="en-US" dirty="0"/>
-              <a:t>리눅스</a:t>
+              <a:t> 센서를 통해 전송된 값을 </a:t>
+            </a:r>
+            <a:r>
+              <a:rPr kumimoji="1" lang="ko-KR" altLang="en-US" dirty="0" err="1"/>
+              <a:t>임계값</a:t>
+            </a:r>
+            <a:r>
+              <a:rPr kumimoji="1" lang="ko-KR" altLang="en-US" dirty="0"/>
+              <a:t> 기준으로 </a:t>
             </a:r>
             <a:r>
               <a:rPr kumimoji="1" lang="en-US" altLang="ko-KR" dirty="0"/>
-              <a:t>-</a:t>
-            </a:r>
-            <a:r>
-              <a:rPr kumimoji="1" lang="en" altLang="ko-Kore-KR" dirty="0"/>
-              <a:t>Named-PIPE-</a:t>
+              <a:t>alarm </a:t>
             </a:r>
             <a:r>
               <a:rPr kumimoji="1" lang="ko-KR" altLang="en-US" dirty="0"/>
-              <a:t>사용법</a:t>
+              <a:t>전송 유무를 파악할 수 있는 토대를 마련하였다</a:t>
             </a:r>
             <a:r>
               <a:rPr kumimoji="1" lang="en-US" altLang="ko-KR" dirty="0"/>
-              <a:t>-</a:t>
-            </a:r>
-            <a:r>
-              <a:rPr kumimoji="1" lang="en" altLang="ko-Kore-KR" dirty="0"/>
-              <a:t>FIFO</a:t>
-            </a:r>
+              <a:t>.</a:t>
+            </a:r>
+          </a:p>
+          <a:p>
+            <a:pPr lvl="1"/>
             <a:endParaRPr kumimoji="1" lang="ko-Kore-KR" altLang="en-US" dirty="0"/>
           </a:p>
         </p:txBody>
@@ -8982,6 +9266,204 @@
             <a:fld id="{305FC841-63F1-7A4A-814A-731E62CE6D51}" type="slidenum">
               <a:rPr kumimoji="1" lang="ko-Kore-KR" altLang="en-US" smtClean="0"/>
               <a:t>23</a:t>
+            </a:fld>
+            <a:endParaRPr kumimoji="1" lang="ko-Kore-KR" altLang="en-US"/>
+          </a:p>
+        </p:txBody>
+      </p:sp>
+    </p:spTree>
+    <p:extLst>
+      <p:ext uri="{BB962C8B-B14F-4D97-AF65-F5344CB8AC3E}">
+        <p14:creationId xmlns:p14="http://schemas.microsoft.com/office/powerpoint/2010/main" val="1160985951"/>
+      </p:ext>
+    </p:extLst>
+  </p:cSld>
+  <p:clrMapOvr>
+    <a:masterClrMapping/>
+  </p:clrMapOvr>
+</p:sld>
+</file>
+
+<file path=ppt/slides/slide24.xml><?xml version="1.0" encoding="utf-8"?>
+<p:sld xmlns:a="http://schemas.openxmlformats.org/drawingml/2006/main" xmlns:r="http://schemas.openxmlformats.org/officeDocument/2006/relationships" xmlns:p="http://schemas.openxmlformats.org/presentationml/2006/main">
+  <p:cSld>
+    <p:spTree>
+      <p:nvGrpSpPr>
+        <p:cNvPr id="1" name=""/>
+        <p:cNvGrpSpPr/>
+        <p:nvPr/>
+      </p:nvGrpSpPr>
+      <p:grpSpPr>
+        <a:xfrm>
+          <a:off x="0" y="0"/>
+          <a:ext cx="0" cy="0"/>
+          <a:chOff x="0" y="0"/>
+          <a:chExt cx="0" cy="0"/>
+        </a:xfrm>
+      </p:grpSpPr>
+      <p:sp>
+        <p:nvSpPr>
+          <p:cNvPr id="2" name="제목 1">
+            <a:extLst>
+              <a:ext uri="{FF2B5EF4-FFF2-40B4-BE49-F238E27FC236}">
+                <a16:creationId xmlns:a16="http://schemas.microsoft.com/office/drawing/2014/main" id="{36294463-6D6E-8E41-B996-AFD060171031}"/>
+              </a:ext>
+            </a:extLst>
+          </p:cNvPr>
+          <p:cNvSpPr>
+            <a:spLocks noGrp="1"/>
+          </p:cNvSpPr>
+          <p:nvPr>
+            <p:ph type="title"/>
+          </p:nvPr>
+        </p:nvSpPr>
+        <p:spPr/>
+        <p:txBody>
+          <a:bodyPr/>
+          <a:lstStyle/>
+          <a:p>
+            <a:r>
+              <a:rPr kumimoji="1" lang="ko-Kore-KR" altLang="en-US" dirty="0"/>
+              <a:t>참고문헌</a:t>
+            </a:r>
+          </a:p>
+        </p:txBody>
+      </p:sp>
+      <p:sp>
+        <p:nvSpPr>
+          <p:cNvPr id="3" name="내용 개체 틀 2">
+            <a:extLst>
+              <a:ext uri="{FF2B5EF4-FFF2-40B4-BE49-F238E27FC236}">
+                <a16:creationId xmlns:a16="http://schemas.microsoft.com/office/drawing/2014/main" id="{281FFAAE-AB28-1743-99BC-C4C35BFFCE5B}"/>
+              </a:ext>
+            </a:extLst>
+          </p:cNvPr>
+          <p:cNvSpPr>
+            <a:spLocks noGrp="1"/>
+          </p:cNvSpPr>
+          <p:nvPr>
+            <p:ph idx="1"/>
+          </p:nvPr>
+        </p:nvSpPr>
+        <p:spPr/>
+        <p:txBody>
+          <a:bodyPr>
+            <a:normAutofit/>
+          </a:bodyPr>
+          <a:lstStyle/>
+          <a:p>
+            <a:r>
+              <a:rPr kumimoji="1" lang="ko-KR" altLang="en-US" dirty="0"/>
+              <a:t>교수님 자료</a:t>
+            </a:r>
+            <a:endParaRPr kumimoji="1" lang="en-US" altLang="ko-KR" dirty="0"/>
+          </a:p>
+          <a:p>
+            <a:pPr lvl="1"/>
+            <a:r>
+              <a:rPr kumimoji="1" lang="en-US" altLang="ko-KR" dirty="0"/>
+              <a:t>00osp00.pdf</a:t>
+            </a:r>
+          </a:p>
+          <a:p>
+            <a:pPr lvl="1"/>
+            <a:r>
+              <a:rPr kumimoji="1" lang="ko-KR" altLang="en-US" dirty="0" err="1"/>
+              <a:t>과제명세서</a:t>
+            </a:r>
+            <a:r>
+              <a:rPr kumimoji="1" lang="en-US" altLang="ko-KR" dirty="0"/>
+              <a:t>.pdf</a:t>
+            </a:r>
+          </a:p>
+          <a:p>
+            <a:pPr lvl="1"/>
+            <a:r>
+              <a:rPr kumimoji="1" lang="en-US" altLang="ko-KR" dirty="0"/>
+              <a:t>05osp.pdf</a:t>
+            </a:r>
+          </a:p>
+          <a:p>
+            <a:r>
+              <a:rPr kumimoji="1" lang="en" altLang="ko-Kore-KR" dirty="0"/>
+              <a:t>named pipe </a:t>
+            </a:r>
+            <a:r>
+              <a:rPr kumimoji="1" lang="ko-KR" altLang="en-US" dirty="0"/>
+              <a:t>사용법</a:t>
+            </a:r>
+            <a:r>
+              <a:rPr kumimoji="1" lang="en-US" altLang="ko-KR" dirty="0"/>
+              <a:t>,</a:t>
+            </a:r>
+            <a:r>
+              <a:rPr kumimoji="1" lang="ko-KR" altLang="en-US" dirty="0"/>
+              <a:t> </a:t>
+            </a:r>
+            <a:r>
+              <a:rPr kumimoji="1" lang="en" altLang="ko-Kore-KR" dirty="0"/>
+              <a:t>https://</a:t>
+            </a:r>
+            <a:r>
+              <a:rPr kumimoji="1" lang="en" altLang="ko-Kore-KR" dirty="0" err="1"/>
+              <a:t>unabated.tistory.com</a:t>
+            </a:r>
+            <a:r>
+              <a:rPr kumimoji="1" lang="en" altLang="ko-Kore-KR" dirty="0"/>
+              <a:t>/entry/IPC-</a:t>
+            </a:r>
+            <a:r>
+              <a:rPr kumimoji="1" lang="ko-KR" altLang="en-US" dirty="0"/>
+              <a:t>리눅스</a:t>
+            </a:r>
+            <a:r>
+              <a:rPr kumimoji="1" lang="en-US" altLang="ko-KR" dirty="0"/>
+              <a:t>-</a:t>
+            </a:r>
+            <a:r>
+              <a:rPr kumimoji="1" lang="en" altLang="ko-Kore-KR" dirty="0"/>
+              <a:t>Named-PIPE-</a:t>
+            </a:r>
+            <a:r>
+              <a:rPr kumimoji="1" lang="ko-KR" altLang="en-US" dirty="0"/>
+              <a:t>사용법</a:t>
+            </a:r>
+            <a:r>
+              <a:rPr kumimoji="1" lang="en-US" altLang="ko-KR" dirty="0"/>
+              <a:t>-</a:t>
+            </a:r>
+            <a:r>
+              <a:rPr kumimoji="1" lang="en" altLang="ko-Kore-KR" dirty="0"/>
+              <a:t>FIFO</a:t>
+            </a:r>
+            <a:endParaRPr kumimoji="1" lang="ko-Kore-KR" altLang="en-US" dirty="0"/>
+          </a:p>
+        </p:txBody>
+      </p:sp>
+      <p:sp>
+        <p:nvSpPr>
+          <p:cNvPr id="4" name="슬라이드 번호 개체 틀 3">
+            <a:extLst>
+              <a:ext uri="{FF2B5EF4-FFF2-40B4-BE49-F238E27FC236}">
+                <a16:creationId xmlns:a16="http://schemas.microsoft.com/office/drawing/2014/main" id="{1539EA97-22A5-2D4C-9BD1-A3A9B30F08B2}"/>
+              </a:ext>
+            </a:extLst>
+          </p:cNvPr>
+          <p:cNvSpPr>
+            <a:spLocks noGrp="1"/>
+          </p:cNvSpPr>
+          <p:nvPr>
+            <p:ph type="sldNum" sz="quarter" idx="12"/>
+          </p:nvPr>
+        </p:nvSpPr>
+        <p:spPr/>
+        <p:txBody>
+          <a:bodyPr/>
+          <a:lstStyle/>
+          <a:p>
+            <a:fld id="{305FC841-63F1-7A4A-814A-731E62CE6D51}" type="slidenum">
+              <a:rPr kumimoji="1" lang="ko-Kore-KR" altLang="en-US" smtClean="0"/>
+              <a:t>24</a:t>
             </a:fld>
             <a:endParaRPr kumimoji="1" lang="ko-Kore-KR" altLang="en-US"/>
           </a:p>
